--- a/想象力_mock.pptx
+++ b/想象力_mock.pptx
@@ -214,7 +214,7 @@
           <a:p>
             <a:fld id="{008F2060-831F-48C6-98BF-953FD644AFD2}" type="datetimeFigureOut">
               <a:rPr lang="zh-CN" altLang="en-US" smtClean="0"/>
-              <a:t>2020/4/8</a:t>
+              <a:t>2020/4/9</a:t>
             </a:fld>
             <a:endParaRPr lang="zh-CN" altLang="en-US"/>
           </a:p>
@@ -7093,125 +7093,6 @@
 </file>
 
 <file path=ppt/slideLayouts/slideLayout10.xml><?xml version="1.0" encoding="utf-8"?>
-<p:sldLayout xmlns:a="http://schemas.openxmlformats.org/drawingml/2006/main" xmlns:r="http://schemas.openxmlformats.org/officeDocument/2006/relationships" xmlns:p="http://schemas.openxmlformats.org/presentationml/2006/main" type="blank" preserve="1">
-  <p:cSld name="空白">
-    <p:spTree>
-      <p:nvGrpSpPr>
-        <p:cNvPr id="1" name=""/>
-        <p:cNvGrpSpPr/>
-        <p:nvPr/>
-      </p:nvGrpSpPr>
-      <p:grpSpPr>
-        <a:xfrm>
-          <a:off x="0" y="0"/>
-          <a:ext cx="0" cy="0"/>
-          <a:chOff x="0" y="0"/>
-          <a:chExt cx="0" cy="0"/>
-        </a:xfrm>
-      </p:grpSpPr>
-      <p:sp>
-        <p:nvSpPr>
-          <p:cNvPr id="2" name="日期占位符 1"/>
-          <p:cNvSpPr>
-            <a:spLocks noGrp="1"/>
-          </p:cNvSpPr>
-          <p:nvPr>
-            <p:ph type="dt" sz="half" idx="10"/>
-          </p:nvPr>
-        </p:nvSpPr>
-        <p:spPr>
-          <a:xfrm>
-            <a:off x="838200" y="6356350"/>
-            <a:ext cx="2743200" cy="365125"/>
-          </a:xfrm>
-          <a:prstGeom prst="rect">
-            <a:avLst/>
-          </a:prstGeom>
-        </p:spPr>
-        <p:txBody>
-          <a:bodyPr/>
-          <a:lstStyle/>
-          <a:p>
-            <a:fld id="{1F9A36AE-B285-448E-A1E1-728B7912F5D4}" type="datetimeFigureOut">
-              <a:rPr lang="zh-CN" altLang="en-US" smtClean="0"/>
-              <a:t>2020/4/8</a:t>
-            </a:fld>
-            <a:endParaRPr lang="zh-CN" altLang="en-US"/>
-          </a:p>
-        </p:txBody>
-      </p:sp>
-      <p:sp>
-        <p:nvSpPr>
-          <p:cNvPr id="3" name="页脚占位符 2"/>
-          <p:cNvSpPr>
-            <a:spLocks noGrp="1"/>
-          </p:cNvSpPr>
-          <p:nvPr>
-            <p:ph type="ftr" sz="quarter" idx="11"/>
-          </p:nvPr>
-        </p:nvSpPr>
-        <p:spPr>
-          <a:xfrm>
-            <a:off x="4038600" y="6356350"/>
-            <a:ext cx="4114800" cy="365125"/>
-          </a:xfrm>
-          <a:prstGeom prst="rect">
-            <a:avLst/>
-          </a:prstGeom>
-        </p:spPr>
-        <p:txBody>
-          <a:bodyPr/>
-          <a:lstStyle/>
-          <a:p>
-            <a:endParaRPr lang="zh-CN" altLang="en-US"/>
-          </a:p>
-        </p:txBody>
-      </p:sp>
-      <p:sp>
-        <p:nvSpPr>
-          <p:cNvPr id="4" name="灯片编号占位符 3"/>
-          <p:cNvSpPr>
-            <a:spLocks noGrp="1"/>
-          </p:cNvSpPr>
-          <p:nvPr>
-            <p:ph type="sldNum" sz="quarter" idx="12"/>
-          </p:nvPr>
-        </p:nvSpPr>
-        <p:spPr>
-          <a:xfrm>
-            <a:off x="8610600" y="6356350"/>
-            <a:ext cx="2743200" cy="365125"/>
-          </a:xfrm>
-          <a:prstGeom prst="rect">
-            <a:avLst/>
-          </a:prstGeom>
-        </p:spPr>
-        <p:txBody>
-          <a:bodyPr/>
-          <a:lstStyle/>
-          <a:p>
-            <a:fld id="{F22A6C8B-0B81-4DDC-9A1D-1B5B57404F90}" type="slidenum">
-              <a:rPr lang="zh-CN" altLang="en-US" smtClean="0"/>
-              <a:t>‹#›</a:t>
-            </a:fld>
-            <a:endParaRPr lang="zh-CN" altLang="en-US"/>
-          </a:p>
-        </p:txBody>
-      </p:sp>
-    </p:spTree>
-    <p:extLst>
-      <p:ext uri="{BB962C8B-B14F-4D97-AF65-F5344CB8AC3E}">
-        <p14:creationId xmlns:p14="http://schemas.microsoft.com/office/powerpoint/2010/main" val="1567960854"/>
-      </p:ext>
-    </p:extLst>
-  </p:cSld>
-  <p:clrMapOvr>
-    <a:masterClrMapping/>
-  </p:clrMapOvr>
-</p:sldLayout>
-</file>
-
-<file path=ppt/slideLayouts/slideLayout11.xml><?xml version="1.0" encoding="utf-8"?>
 <p:sldLayout xmlns:a="http://schemas.openxmlformats.org/drawingml/2006/main" xmlns:r="http://schemas.openxmlformats.org/officeDocument/2006/relationships" xmlns:p="http://schemas.openxmlformats.org/presentationml/2006/main" type="objTx" preserve="1">
   <p:cSld name="内容与标题">
     <p:spTree>
@@ -7444,7 +7325,7 @@
           <a:p>
             <a:fld id="{1F9A36AE-B285-448E-A1E1-728B7912F5D4}" type="datetimeFigureOut">
               <a:rPr lang="zh-CN" altLang="en-US" smtClean="0"/>
-              <a:t>2020/4/8</a:t>
+              <a:t>2020/4/9</a:t>
             </a:fld>
             <a:endParaRPr lang="zh-CN" altLang="en-US"/>
           </a:p>
@@ -7521,7 +7402,7 @@
 </p:sldLayout>
 </file>
 
-<file path=ppt/slideLayouts/slideLayout12.xml><?xml version="1.0" encoding="utf-8"?>
+<file path=ppt/slideLayouts/slideLayout11.xml><?xml version="1.0" encoding="utf-8"?>
 <p:sldLayout xmlns:a="http://schemas.openxmlformats.org/drawingml/2006/main" xmlns:r="http://schemas.openxmlformats.org/officeDocument/2006/relationships" xmlns:p="http://schemas.openxmlformats.org/presentationml/2006/main" type="picTx" preserve="1">
   <p:cSld name="图片与标题">
     <p:spTree>
@@ -7730,7 +7611,7 @@
           <a:p>
             <a:fld id="{1F9A36AE-B285-448E-A1E1-728B7912F5D4}" type="datetimeFigureOut">
               <a:rPr lang="zh-CN" altLang="en-US" smtClean="0"/>
-              <a:t>2020/4/8</a:t>
+              <a:t>2020/4/9</a:t>
             </a:fld>
             <a:endParaRPr lang="zh-CN" altLang="en-US"/>
           </a:p>
@@ -7807,7 +7688,7 @@
 </p:sldLayout>
 </file>
 
-<file path=ppt/slideLayouts/slideLayout13.xml><?xml version="1.0" encoding="utf-8"?>
+<file path=ppt/slideLayouts/slideLayout12.xml><?xml version="1.0" encoding="utf-8"?>
 <p:sldLayout xmlns:a="http://schemas.openxmlformats.org/drawingml/2006/main" xmlns:r="http://schemas.openxmlformats.org/officeDocument/2006/relationships" xmlns:p="http://schemas.openxmlformats.org/presentationml/2006/main" type="vertTx" preserve="1">
   <p:cSld name="标题和竖排文字">
     <p:spTree>
@@ -7940,7 +7821,7 @@
           <a:p>
             <a:fld id="{1F9A36AE-B285-448E-A1E1-728B7912F5D4}" type="datetimeFigureOut">
               <a:rPr lang="zh-CN" altLang="en-US" smtClean="0"/>
-              <a:t>2020/4/8</a:t>
+              <a:t>2020/4/9</a:t>
             </a:fld>
             <a:endParaRPr lang="zh-CN" altLang="en-US"/>
           </a:p>
@@ -8017,7 +7898,7 @@
 </p:sldLayout>
 </file>
 
-<file path=ppt/slideLayouts/slideLayout14.xml><?xml version="1.0" encoding="utf-8"?>
+<file path=ppt/slideLayouts/slideLayout13.xml><?xml version="1.0" encoding="utf-8"?>
 <p:sldLayout xmlns:a="http://schemas.openxmlformats.org/drawingml/2006/main" xmlns:r="http://schemas.openxmlformats.org/officeDocument/2006/relationships" xmlns:p="http://schemas.openxmlformats.org/presentationml/2006/main" type="vertTitleAndTx" preserve="1">
   <p:cSld name="竖排标题与文本">
     <p:spTree>
@@ -8150,7 +8031,7 @@
           <a:p>
             <a:fld id="{1F9A36AE-B285-448E-A1E1-728B7912F5D4}" type="datetimeFigureOut">
               <a:rPr lang="zh-CN" altLang="en-US" smtClean="0"/>
-              <a:t>2020/4/8</a:t>
+              <a:t>2020/4/9</a:t>
             </a:fld>
             <a:endParaRPr lang="zh-CN" altLang="en-US"/>
           </a:p>
@@ -8227,7 +8108,7 @@
 </p:sldLayout>
 </file>
 
-<file path=ppt/slideLayouts/slideLayout15.xml><?xml version="1.0" encoding="utf-8"?>
+<file path=ppt/slideLayouts/slideLayout14.xml><?xml version="1.0" encoding="utf-8"?>
 <p:sldLayout xmlns:a="http://schemas.openxmlformats.org/drawingml/2006/main" xmlns:r="http://schemas.openxmlformats.org/officeDocument/2006/relationships" xmlns:p="http://schemas.openxmlformats.org/presentationml/2006/main" type="title" preserve="1">
   <p:cSld name="标题幻灯片">
     <p:spTree>
@@ -8358,7 +8239,7 @@
           <a:p>
             <a:fld id="{730EF46A-8642-432D-940E-6B42E58DC655}" type="datetimeFigureOut">
               <a:rPr lang="zh-CN" altLang="en-US" smtClean="0"/>
-              <a:t>2020/4/8</a:t>
+              <a:t>2020/4/9</a:t>
             </a:fld>
             <a:endParaRPr lang="zh-CN" altLang="en-US"/>
           </a:p>
@@ -8419,7 +8300,7 @@
 </p:sldLayout>
 </file>
 
-<file path=ppt/slideLayouts/slideLayout16.xml><?xml version="1.0" encoding="utf-8"?>
+<file path=ppt/slideLayouts/slideLayout15.xml><?xml version="1.0" encoding="utf-8"?>
 <p:sldLayout xmlns:a="http://schemas.openxmlformats.org/drawingml/2006/main" xmlns:r="http://schemas.openxmlformats.org/officeDocument/2006/relationships" xmlns:p="http://schemas.openxmlformats.org/presentationml/2006/main" type="obj" preserve="1">
   <p:cSld name="标题和内容">
     <p:spTree>
@@ -8528,7 +8409,7 @@
           <a:p>
             <a:fld id="{730EF46A-8642-432D-940E-6B42E58DC655}" type="datetimeFigureOut">
               <a:rPr lang="zh-CN" altLang="en-US" smtClean="0"/>
-              <a:t>2020/4/8</a:t>
+              <a:t>2020/4/9</a:t>
             </a:fld>
             <a:endParaRPr lang="zh-CN" altLang="en-US"/>
           </a:p>
@@ -8589,7 +8470,7 @@
 </p:sldLayout>
 </file>
 
-<file path=ppt/slideLayouts/slideLayout17.xml><?xml version="1.0" encoding="utf-8"?>
+<file path=ppt/slideLayouts/slideLayout16.xml><?xml version="1.0" encoding="utf-8"?>
 <p:sldLayout xmlns:a="http://schemas.openxmlformats.org/drawingml/2006/main" xmlns:r="http://schemas.openxmlformats.org/officeDocument/2006/relationships" xmlns:p="http://schemas.openxmlformats.org/presentationml/2006/main" type="secHead" preserve="1">
   <p:cSld name="节标题">
     <p:spTree>
@@ -8774,7 +8655,7 @@
           <a:p>
             <a:fld id="{730EF46A-8642-432D-940E-6B42E58DC655}" type="datetimeFigureOut">
               <a:rPr lang="zh-CN" altLang="en-US" smtClean="0"/>
-              <a:t>2020/4/8</a:t>
+              <a:t>2020/4/9</a:t>
             </a:fld>
             <a:endParaRPr lang="zh-CN" altLang="en-US"/>
           </a:p>
@@ -8835,7 +8716,7 @@
 </p:sldLayout>
 </file>
 
-<file path=ppt/slideLayouts/slideLayout18.xml><?xml version="1.0" encoding="utf-8"?>
+<file path=ppt/slideLayouts/slideLayout17.xml><?xml version="1.0" encoding="utf-8"?>
 <p:sldLayout xmlns:a="http://schemas.openxmlformats.org/drawingml/2006/main" xmlns:r="http://schemas.openxmlformats.org/officeDocument/2006/relationships" xmlns:p="http://schemas.openxmlformats.org/presentationml/2006/main" type="twoObj" preserve="1">
   <p:cSld name="两栏内容">
     <p:spTree>
@@ -9006,7 +8887,7 @@
           <a:p>
             <a:fld id="{730EF46A-8642-432D-940E-6B42E58DC655}" type="datetimeFigureOut">
               <a:rPr lang="zh-CN" altLang="en-US" smtClean="0"/>
-              <a:t>2020/4/8</a:t>
+              <a:t>2020/4/9</a:t>
             </a:fld>
             <a:endParaRPr lang="zh-CN" altLang="en-US"/>
           </a:p>
@@ -9067,7 +8948,7 @@
 </p:sldLayout>
 </file>
 
-<file path=ppt/slideLayouts/slideLayout19.xml><?xml version="1.0" encoding="utf-8"?>
+<file path=ppt/slideLayouts/slideLayout18.xml><?xml version="1.0" encoding="utf-8"?>
 <p:sldLayout xmlns:a="http://schemas.openxmlformats.org/drawingml/2006/main" xmlns:r="http://schemas.openxmlformats.org/officeDocument/2006/relationships" xmlns:p="http://schemas.openxmlformats.org/presentationml/2006/main" type="twoTxTwoObj" preserve="1">
   <p:cSld name="比较">
     <p:spTree>
@@ -9373,7 +9254,7 @@
           <a:p>
             <a:fld id="{730EF46A-8642-432D-940E-6B42E58DC655}" type="datetimeFigureOut">
               <a:rPr lang="zh-CN" altLang="en-US" smtClean="0"/>
-              <a:t>2020/4/8</a:t>
+              <a:t>2020/4/9</a:t>
             </a:fld>
             <a:endParaRPr lang="zh-CN" altLang="en-US"/>
           </a:p>
@@ -9425,6 +9306,124 @@
     <p:extLst>
       <p:ext uri="{BB962C8B-B14F-4D97-AF65-F5344CB8AC3E}">
         <p14:creationId xmlns:p14="http://schemas.microsoft.com/office/powerpoint/2010/main" val="3115886359"/>
+      </p:ext>
+    </p:extLst>
+  </p:cSld>
+  <p:clrMapOvr>
+    <a:masterClrMapping/>
+  </p:clrMapOvr>
+</p:sldLayout>
+</file>
+
+<file path=ppt/slideLayouts/slideLayout19.xml><?xml version="1.0" encoding="utf-8"?>
+<p:sldLayout xmlns:a="http://schemas.openxmlformats.org/drawingml/2006/main" xmlns:r="http://schemas.openxmlformats.org/officeDocument/2006/relationships" xmlns:p="http://schemas.openxmlformats.org/presentationml/2006/main" type="titleOnly" preserve="1">
+  <p:cSld name="仅标题">
+    <p:spTree>
+      <p:nvGrpSpPr>
+        <p:cNvPr id="1" name=""/>
+        <p:cNvGrpSpPr/>
+        <p:nvPr/>
+      </p:nvGrpSpPr>
+      <p:grpSpPr>
+        <a:xfrm>
+          <a:off x="0" y="0"/>
+          <a:ext cx="0" cy="0"/>
+          <a:chOff x="0" y="0"/>
+          <a:chExt cx="0" cy="0"/>
+        </a:xfrm>
+      </p:grpSpPr>
+      <p:sp>
+        <p:nvSpPr>
+          <p:cNvPr id="2" name="标题 1"/>
+          <p:cNvSpPr>
+            <a:spLocks noGrp="1"/>
+          </p:cNvSpPr>
+          <p:nvPr>
+            <p:ph type="title"/>
+          </p:nvPr>
+        </p:nvSpPr>
+        <p:spPr/>
+        <p:txBody>
+          <a:bodyPr/>
+          <a:lstStyle/>
+          <a:p>
+            <a:r>
+              <a:rPr lang="zh-CN" altLang="en-US" smtClean="0"/>
+              <a:t>单击此处编辑母版标题样式</a:t>
+            </a:r>
+            <a:endParaRPr lang="zh-CN" altLang="en-US"/>
+          </a:p>
+        </p:txBody>
+      </p:sp>
+      <p:sp>
+        <p:nvSpPr>
+          <p:cNvPr id="3" name="日期占位符 2"/>
+          <p:cNvSpPr>
+            <a:spLocks noGrp="1"/>
+          </p:cNvSpPr>
+          <p:nvPr>
+            <p:ph type="dt" sz="half" idx="10"/>
+          </p:nvPr>
+        </p:nvSpPr>
+        <p:spPr/>
+        <p:txBody>
+          <a:bodyPr/>
+          <a:lstStyle/>
+          <a:p>
+            <a:fld id="{730EF46A-8642-432D-940E-6B42E58DC655}" type="datetimeFigureOut">
+              <a:rPr lang="zh-CN" altLang="en-US" smtClean="0"/>
+              <a:t>2020/4/9</a:t>
+            </a:fld>
+            <a:endParaRPr lang="zh-CN" altLang="en-US"/>
+          </a:p>
+        </p:txBody>
+      </p:sp>
+      <p:sp>
+        <p:nvSpPr>
+          <p:cNvPr id="4" name="页脚占位符 3"/>
+          <p:cNvSpPr>
+            <a:spLocks noGrp="1"/>
+          </p:cNvSpPr>
+          <p:nvPr>
+            <p:ph type="ftr" sz="quarter" idx="11"/>
+          </p:nvPr>
+        </p:nvSpPr>
+        <p:spPr/>
+        <p:txBody>
+          <a:bodyPr/>
+          <a:lstStyle/>
+          <a:p>
+            <a:endParaRPr lang="zh-CN" altLang="en-US"/>
+          </a:p>
+        </p:txBody>
+      </p:sp>
+      <p:sp>
+        <p:nvSpPr>
+          <p:cNvPr id="5" name="灯片编号占位符 4"/>
+          <p:cNvSpPr>
+            <a:spLocks noGrp="1"/>
+          </p:cNvSpPr>
+          <p:nvPr>
+            <p:ph type="sldNum" sz="quarter" idx="12"/>
+          </p:nvPr>
+        </p:nvSpPr>
+        <p:spPr/>
+        <p:txBody>
+          <a:bodyPr/>
+          <a:lstStyle/>
+          <a:p>
+            <a:fld id="{38658540-6A79-41CE-B0B7-727B79ACAD19}" type="slidenum">
+              <a:rPr lang="zh-CN" altLang="en-US" smtClean="0"/>
+              <a:t>‹#›</a:t>
+            </a:fld>
+            <a:endParaRPr lang="zh-CN" altLang="en-US"/>
+          </a:p>
+        </p:txBody>
+      </p:sp>
+    </p:spTree>
+    <p:extLst>
+      <p:ext uri="{BB962C8B-B14F-4D97-AF65-F5344CB8AC3E}">
+        <p14:creationId xmlns:p14="http://schemas.microsoft.com/office/powerpoint/2010/main" val="2446215637"/>
       </p:ext>
     </p:extLst>
   </p:cSld>
@@ -11463,124 +11462,6 @@
 </file>
 
 <file path=ppt/slideLayouts/slideLayout20.xml><?xml version="1.0" encoding="utf-8"?>
-<p:sldLayout xmlns:a="http://schemas.openxmlformats.org/drawingml/2006/main" xmlns:r="http://schemas.openxmlformats.org/officeDocument/2006/relationships" xmlns:p="http://schemas.openxmlformats.org/presentationml/2006/main" type="titleOnly" preserve="1">
-  <p:cSld name="仅标题">
-    <p:spTree>
-      <p:nvGrpSpPr>
-        <p:cNvPr id="1" name=""/>
-        <p:cNvGrpSpPr/>
-        <p:nvPr/>
-      </p:nvGrpSpPr>
-      <p:grpSpPr>
-        <a:xfrm>
-          <a:off x="0" y="0"/>
-          <a:ext cx="0" cy="0"/>
-          <a:chOff x="0" y="0"/>
-          <a:chExt cx="0" cy="0"/>
-        </a:xfrm>
-      </p:grpSpPr>
-      <p:sp>
-        <p:nvSpPr>
-          <p:cNvPr id="2" name="标题 1"/>
-          <p:cNvSpPr>
-            <a:spLocks noGrp="1"/>
-          </p:cNvSpPr>
-          <p:nvPr>
-            <p:ph type="title"/>
-          </p:nvPr>
-        </p:nvSpPr>
-        <p:spPr/>
-        <p:txBody>
-          <a:bodyPr/>
-          <a:lstStyle/>
-          <a:p>
-            <a:r>
-              <a:rPr lang="zh-CN" altLang="en-US" smtClean="0"/>
-              <a:t>单击此处编辑母版标题样式</a:t>
-            </a:r>
-            <a:endParaRPr lang="zh-CN" altLang="en-US"/>
-          </a:p>
-        </p:txBody>
-      </p:sp>
-      <p:sp>
-        <p:nvSpPr>
-          <p:cNvPr id="3" name="日期占位符 2"/>
-          <p:cNvSpPr>
-            <a:spLocks noGrp="1"/>
-          </p:cNvSpPr>
-          <p:nvPr>
-            <p:ph type="dt" sz="half" idx="10"/>
-          </p:nvPr>
-        </p:nvSpPr>
-        <p:spPr/>
-        <p:txBody>
-          <a:bodyPr/>
-          <a:lstStyle/>
-          <a:p>
-            <a:fld id="{730EF46A-8642-432D-940E-6B42E58DC655}" type="datetimeFigureOut">
-              <a:rPr lang="zh-CN" altLang="en-US" smtClean="0"/>
-              <a:t>2020/4/8</a:t>
-            </a:fld>
-            <a:endParaRPr lang="zh-CN" altLang="en-US"/>
-          </a:p>
-        </p:txBody>
-      </p:sp>
-      <p:sp>
-        <p:nvSpPr>
-          <p:cNvPr id="4" name="页脚占位符 3"/>
-          <p:cNvSpPr>
-            <a:spLocks noGrp="1"/>
-          </p:cNvSpPr>
-          <p:nvPr>
-            <p:ph type="ftr" sz="quarter" idx="11"/>
-          </p:nvPr>
-        </p:nvSpPr>
-        <p:spPr/>
-        <p:txBody>
-          <a:bodyPr/>
-          <a:lstStyle/>
-          <a:p>
-            <a:endParaRPr lang="zh-CN" altLang="en-US"/>
-          </a:p>
-        </p:txBody>
-      </p:sp>
-      <p:sp>
-        <p:nvSpPr>
-          <p:cNvPr id="5" name="灯片编号占位符 4"/>
-          <p:cNvSpPr>
-            <a:spLocks noGrp="1"/>
-          </p:cNvSpPr>
-          <p:nvPr>
-            <p:ph type="sldNum" sz="quarter" idx="12"/>
-          </p:nvPr>
-        </p:nvSpPr>
-        <p:spPr/>
-        <p:txBody>
-          <a:bodyPr/>
-          <a:lstStyle/>
-          <a:p>
-            <a:fld id="{38658540-6A79-41CE-B0B7-727B79ACAD19}" type="slidenum">
-              <a:rPr lang="zh-CN" altLang="en-US" smtClean="0"/>
-              <a:t>‹#›</a:t>
-            </a:fld>
-            <a:endParaRPr lang="zh-CN" altLang="en-US"/>
-          </a:p>
-        </p:txBody>
-      </p:sp>
-    </p:spTree>
-    <p:extLst>
-      <p:ext uri="{BB962C8B-B14F-4D97-AF65-F5344CB8AC3E}">
-        <p14:creationId xmlns:p14="http://schemas.microsoft.com/office/powerpoint/2010/main" val="2446215637"/>
-      </p:ext>
-    </p:extLst>
-  </p:cSld>
-  <p:clrMapOvr>
-    <a:masterClrMapping/>
-  </p:clrMapOvr>
-</p:sldLayout>
-</file>
-
-<file path=ppt/slideLayouts/slideLayout21.xml><?xml version="1.0" encoding="utf-8"?>
 <p:sldLayout xmlns:a="http://schemas.openxmlformats.org/drawingml/2006/main" xmlns:r="http://schemas.openxmlformats.org/officeDocument/2006/relationships" xmlns:p="http://schemas.openxmlformats.org/presentationml/2006/main" type="blank" preserve="1">
   <p:cSld name="空白">
     <p:spTree>
@@ -11614,7 +11495,7 @@
           <a:p>
             <a:fld id="{730EF46A-8642-432D-940E-6B42E58DC655}" type="datetimeFigureOut">
               <a:rPr lang="zh-CN" altLang="en-US" smtClean="0"/>
-              <a:t>2020/4/8</a:t>
+              <a:t>2020/4/9</a:t>
             </a:fld>
             <a:endParaRPr lang="zh-CN" altLang="en-US"/>
           </a:p>
@@ -11675,7 +11556,7 @@
 </p:sldLayout>
 </file>
 
-<file path=ppt/slideLayouts/slideLayout22.xml><?xml version="1.0" encoding="utf-8"?>
+<file path=ppt/slideLayouts/slideLayout21.xml><?xml version="1.0" encoding="utf-8"?>
 <p:sldLayout xmlns:a="http://schemas.openxmlformats.org/drawingml/2006/main" xmlns:r="http://schemas.openxmlformats.org/officeDocument/2006/relationships" xmlns:p="http://schemas.openxmlformats.org/presentationml/2006/main" type="objTx" preserve="1">
   <p:cSld name="内容与标题">
     <p:spTree>
@@ -11891,7 +11772,7 @@
           <a:p>
             <a:fld id="{730EF46A-8642-432D-940E-6B42E58DC655}" type="datetimeFigureOut">
               <a:rPr lang="zh-CN" altLang="en-US" smtClean="0"/>
-              <a:t>2020/4/8</a:t>
+              <a:t>2020/4/9</a:t>
             </a:fld>
             <a:endParaRPr lang="zh-CN" altLang="en-US"/>
           </a:p>
@@ -11952,7 +11833,7 @@
 </p:sldLayout>
 </file>
 
-<file path=ppt/slideLayouts/slideLayout23.xml><?xml version="1.0" encoding="utf-8"?>
+<file path=ppt/slideLayouts/slideLayout22.xml><?xml version="1.0" encoding="utf-8"?>
 <p:sldLayout xmlns:a="http://schemas.openxmlformats.org/drawingml/2006/main" xmlns:r="http://schemas.openxmlformats.org/officeDocument/2006/relationships" xmlns:p="http://schemas.openxmlformats.org/presentationml/2006/main" type="picTx" preserve="1">
   <p:cSld name="图片与标题">
     <p:spTree>
@@ -12144,7 +12025,7 @@
           <a:p>
             <a:fld id="{730EF46A-8642-432D-940E-6B42E58DC655}" type="datetimeFigureOut">
               <a:rPr lang="zh-CN" altLang="en-US" smtClean="0"/>
-              <a:t>2020/4/8</a:t>
+              <a:t>2020/4/9</a:t>
             </a:fld>
             <a:endParaRPr lang="zh-CN" altLang="en-US"/>
           </a:p>
@@ -12205,7 +12086,7 @@
 </p:sldLayout>
 </file>
 
-<file path=ppt/slideLayouts/slideLayout24.xml><?xml version="1.0" encoding="utf-8"?>
+<file path=ppt/slideLayouts/slideLayout23.xml><?xml version="1.0" encoding="utf-8"?>
 <p:sldLayout xmlns:a="http://schemas.openxmlformats.org/drawingml/2006/main" xmlns:r="http://schemas.openxmlformats.org/officeDocument/2006/relationships" xmlns:p="http://schemas.openxmlformats.org/presentationml/2006/main" type="vertTx" preserve="1">
   <p:cSld name="标题和竖排文字">
     <p:spTree>
@@ -12314,7 +12195,7 @@
           <a:p>
             <a:fld id="{730EF46A-8642-432D-940E-6B42E58DC655}" type="datetimeFigureOut">
               <a:rPr lang="zh-CN" altLang="en-US" smtClean="0"/>
-              <a:t>2020/4/8</a:t>
+              <a:t>2020/4/9</a:t>
             </a:fld>
             <a:endParaRPr lang="zh-CN" altLang="en-US"/>
           </a:p>
@@ -12375,7 +12256,7 @@
 </p:sldLayout>
 </file>
 
-<file path=ppt/slideLayouts/slideLayout25.xml><?xml version="1.0" encoding="utf-8"?>
+<file path=ppt/slideLayouts/slideLayout24.xml><?xml version="1.0" encoding="utf-8"?>
 <p:sldLayout xmlns:a="http://schemas.openxmlformats.org/drawingml/2006/main" xmlns:r="http://schemas.openxmlformats.org/officeDocument/2006/relationships" xmlns:p="http://schemas.openxmlformats.org/presentationml/2006/main" type="vertTitleAndTx" preserve="1">
   <p:cSld name="竖排标题与文本">
     <p:spTree>
@@ -12494,7 +12375,7 @@
           <a:p>
             <a:fld id="{730EF46A-8642-432D-940E-6B42E58DC655}" type="datetimeFigureOut">
               <a:rPr lang="zh-CN" altLang="en-US" smtClean="0"/>
-              <a:t>2020/4/8</a:t>
+              <a:t>2020/4/9</a:t>
             </a:fld>
             <a:endParaRPr lang="zh-CN" altLang="en-US"/>
           </a:p>
@@ -32023,6 +31904,36 @@
           <a:chExt cx="0" cy="0"/>
         </a:xfrm>
       </p:grpSpPr>
+      <p:pic>
+        <p:nvPicPr>
+          <p:cNvPr id="7" name="图片 6"/>
+          <p:cNvPicPr>
+            <a:picLocks noChangeAspect="1"/>
+          </p:cNvPicPr>
+          <p:nvPr userDrawn="1"/>
+        </p:nvPicPr>
+        <p:blipFill>
+          <a:blip r:embed="rId2" cstate="print">
+            <a:extLst>
+              <a:ext uri="{28A0092B-C50C-407E-A947-70E740481C1C}">
+                <a14:useLocalDpi xmlns:a14="http://schemas.microsoft.com/office/drawing/2010/main" val="0"/>
+              </a:ext>
+            </a:extLst>
+          </a:blip>
+          <a:stretch>
+            <a:fillRect/>
+          </a:stretch>
+        </p:blipFill>
+        <p:spPr>
+          <a:xfrm>
+            <a:off x="2126" y="0"/>
+            <a:ext cx="12189874" cy="6859195"/>
+          </a:xfrm>
+          <a:prstGeom prst="rect">
+            <a:avLst/>
+          </a:prstGeom>
+        </p:spPr>
+      </p:pic>
       <p:grpSp>
         <p:nvGrpSpPr>
           <p:cNvPr id="25" name="组合 24"/>
@@ -39521,6 +39432,629 @@
           </p:sp>
         </p:grpSp>
       </p:grpSp>
+      <p:grpSp>
+        <p:nvGrpSpPr>
+          <p:cNvPr id="6" name="组合 5"/>
+          <p:cNvGrpSpPr/>
+          <p:nvPr userDrawn="1"/>
+        </p:nvGrpSpPr>
+        <p:grpSpPr>
+          <a:xfrm>
+            <a:off x="1270000" y="558800"/>
+            <a:ext cx="9652000" cy="5254171"/>
+            <a:chOff x="1284515" y="558800"/>
+            <a:chExt cx="9652000" cy="5254171"/>
+          </a:xfrm>
+        </p:grpSpPr>
+        <p:sp>
+          <p:nvSpPr>
+            <p:cNvPr id="4" name="椭圆 3"/>
+            <p:cNvSpPr/>
+            <p:nvPr userDrawn="1"/>
+          </p:nvSpPr>
+          <p:spPr>
+            <a:xfrm>
+              <a:off x="1284515" y="573313"/>
+              <a:ext cx="9652000" cy="5225144"/>
+            </a:xfrm>
+            <a:prstGeom prst="ellipse">
+              <a:avLst/>
+            </a:prstGeom>
+            <a:gradFill>
+              <a:gsLst>
+                <a:gs pos="95000">
+                  <a:srgbClr val="841E6C">
+                    <a:alpha val="0"/>
+                  </a:srgbClr>
+                </a:gs>
+                <a:gs pos="36000">
+                  <a:srgbClr val="4A113C">
+                    <a:alpha val="57000"/>
+                  </a:srgbClr>
+                </a:gs>
+                <a:gs pos="0">
+                  <a:srgbClr val="4A113C"/>
+                </a:gs>
+              </a:gsLst>
+              <a:path path="circle">
+                <a:fillToRect l="50000" t="50000" r="50000" b="50000"/>
+              </a:path>
+            </a:gradFill>
+            <a:ln>
+              <a:noFill/>
+            </a:ln>
+            <a:effectLst>
+              <a:softEdge rad="1117600"/>
+            </a:effectLst>
+          </p:spPr>
+          <p:style>
+            <a:lnRef idx="2">
+              <a:schemeClr val="accent1">
+                <a:shade val="50000"/>
+              </a:schemeClr>
+            </a:lnRef>
+            <a:fillRef idx="1">
+              <a:schemeClr val="accent1"/>
+            </a:fillRef>
+            <a:effectRef idx="0">
+              <a:schemeClr val="accent1"/>
+            </a:effectRef>
+            <a:fontRef idx="minor">
+              <a:schemeClr val="lt1"/>
+            </a:fontRef>
+          </p:style>
+          <p:txBody>
+            <a:bodyPr rtlCol="0" anchor="ctr"/>
+            <a:lstStyle/>
+            <a:p>
+              <a:pPr algn="ctr"/>
+              <a:endParaRPr lang="zh-CN" altLang="en-US"/>
+            </a:p>
+          </p:txBody>
+        </p:sp>
+        <p:sp>
+          <p:nvSpPr>
+            <p:cNvPr id="160" name="椭圆 159"/>
+            <p:cNvSpPr/>
+            <p:nvPr userDrawn="1"/>
+          </p:nvSpPr>
+          <p:spPr>
+            <a:xfrm>
+              <a:off x="1988515" y="558800"/>
+              <a:ext cx="8244000" cy="5254171"/>
+            </a:xfrm>
+            <a:prstGeom prst="ellipse">
+              <a:avLst/>
+            </a:prstGeom>
+            <a:gradFill>
+              <a:gsLst>
+                <a:gs pos="58000">
+                  <a:srgbClr val="841E6C">
+                    <a:alpha val="0"/>
+                  </a:srgbClr>
+                </a:gs>
+                <a:gs pos="36000">
+                  <a:srgbClr val="4A113C">
+                    <a:alpha val="57000"/>
+                  </a:srgbClr>
+                </a:gs>
+                <a:gs pos="0">
+                  <a:srgbClr val="4A113C"/>
+                </a:gs>
+              </a:gsLst>
+              <a:path path="circle">
+                <a:fillToRect l="50000" t="50000" r="50000" b="50000"/>
+              </a:path>
+            </a:gradFill>
+            <a:ln>
+              <a:noFill/>
+            </a:ln>
+            <a:effectLst>
+              <a:softEdge rad="1117600"/>
+            </a:effectLst>
+          </p:spPr>
+          <p:style>
+            <a:lnRef idx="2">
+              <a:schemeClr val="accent1">
+                <a:shade val="50000"/>
+              </a:schemeClr>
+            </a:lnRef>
+            <a:fillRef idx="1">
+              <a:schemeClr val="accent1"/>
+            </a:fillRef>
+            <a:effectRef idx="0">
+              <a:schemeClr val="accent1"/>
+            </a:effectRef>
+            <a:fontRef idx="minor">
+              <a:schemeClr val="lt1"/>
+            </a:fontRef>
+          </p:style>
+          <p:txBody>
+            <a:bodyPr rtlCol="0" anchor="ctr"/>
+            <a:lstStyle/>
+            <a:p>
+              <a:pPr algn="ctr"/>
+              <a:endParaRPr lang="zh-CN" altLang="en-US" dirty="0"/>
+            </a:p>
+          </p:txBody>
+        </p:sp>
+      </p:grpSp>
+      <p:sp>
+        <p:nvSpPr>
+          <p:cNvPr id="8" name="文本框 7"/>
+          <p:cNvSpPr txBox="1"/>
+          <p:nvPr userDrawn="1"/>
+        </p:nvSpPr>
+        <p:spPr>
+          <a:xfrm>
+            <a:off x="4421660" y="781564"/>
+            <a:ext cx="3348681" cy="4708981"/>
+          </a:xfrm>
+          <a:prstGeom prst="rect">
+            <a:avLst/>
+          </a:prstGeom>
+          <a:noFill/>
+        </p:spPr>
+        <p:txBody>
+          <a:bodyPr wrap="square" rtlCol="0" anchor="ctr">
+            <a:spAutoFit/>
+          </a:bodyPr>
+          <a:lstStyle/>
+          <a:p>
+            <a:pPr algn="ctr"/>
+            <a:r>
+              <a:rPr lang="en-US" altLang="zh-CN" sz="30000" dirty="0" smtClean="0">
+                <a:ln w="15875">
+                  <a:gradFill>
+                    <a:gsLst>
+                      <a:gs pos="10000">
+                        <a:srgbClr val="FF0000"/>
+                      </a:gs>
+                      <a:gs pos="67000">
+                        <a:schemeClr val="bg1">
+                          <a:alpha val="0"/>
+                        </a:schemeClr>
+                      </a:gs>
+                      <a:gs pos="41000">
+                        <a:schemeClr val="bg1"/>
+                      </a:gs>
+                    </a:gsLst>
+                    <a:lin ang="5400000" scaled="1"/>
+                  </a:gradFill>
+                </a:ln>
+                <a:gradFill>
+                  <a:gsLst>
+                    <a:gs pos="73000">
+                      <a:srgbClr val="0F0C33">
+                        <a:alpha val="33000"/>
+                        <a:lumMod val="96000"/>
+                      </a:srgbClr>
+                    </a:gs>
+                    <a:gs pos="53000">
+                      <a:srgbClr val="0F0B32"/>
+                    </a:gs>
+                    <a:gs pos="0">
+                      <a:srgbClr val="050537"/>
+                    </a:gs>
+                    <a:gs pos="83000">
+                      <a:srgbClr val="050537">
+                        <a:alpha val="0"/>
+                      </a:srgbClr>
+                    </a:gs>
+                  </a:gsLst>
+                  <a:lin ang="5400000" scaled="1"/>
+                </a:gradFill>
+                <a:effectLst>
+                  <a:glow rad="114300">
+                    <a:srgbClr val="BB0F56">
+                      <a:alpha val="7000"/>
+                    </a:srgbClr>
+                  </a:glow>
+                </a:effectLst>
+                <a:latin typeface="Impact" panose="020B0806030902050204" pitchFamily="34" charset="0"/>
+              </a:rPr>
+              <a:t>1</a:t>
+            </a:r>
+            <a:endParaRPr lang="zh-CN" altLang="en-US" sz="30000" dirty="0">
+              <a:ln w="15875">
+                <a:gradFill>
+                  <a:gsLst>
+                    <a:gs pos="10000">
+                      <a:srgbClr val="FF0000"/>
+                    </a:gs>
+                    <a:gs pos="67000">
+                      <a:schemeClr val="bg1">
+                        <a:alpha val="0"/>
+                      </a:schemeClr>
+                    </a:gs>
+                    <a:gs pos="41000">
+                      <a:schemeClr val="bg1"/>
+                    </a:gs>
+                  </a:gsLst>
+                  <a:lin ang="5400000" scaled="1"/>
+                </a:gradFill>
+              </a:ln>
+              <a:gradFill>
+                <a:gsLst>
+                  <a:gs pos="73000">
+                    <a:srgbClr val="0F0C33">
+                      <a:alpha val="33000"/>
+                      <a:lumMod val="96000"/>
+                    </a:srgbClr>
+                  </a:gs>
+                  <a:gs pos="53000">
+                    <a:srgbClr val="0F0B32"/>
+                  </a:gs>
+                  <a:gs pos="0">
+                    <a:srgbClr val="050537"/>
+                  </a:gs>
+                  <a:gs pos="83000">
+                    <a:srgbClr val="050537">
+                      <a:alpha val="0"/>
+                    </a:srgbClr>
+                  </a:gs>
+                </a:gsLst>
+                <a:lin ang="5400000" scaled="1"/>
+              </a:gradFill>
+              <a:effectLst>
+                <a:glow rad="114300">
+                  <a:srgbClr val="BB0F56">
+                    <a:alpha val="7000"/>
+                  </a:srgbClr>
+                </a:glow>
+              </a:effectLst>
+              <a:latin typeface="Impact" panose="020B0806030902050204" pitchFamily="34" charset="0"/>
+            </a:endParaRPr>
+          </a:p>
+        </p:txBody>
+      </p:sp>
+      <p:sp>
+        <p:nvSpPr>
+          <p:cNvPr id="11" name="任意多边形 10"/>
+          <p:cNvSpPr/>
+          <p:nvPr userDrawn="1"/>
+        </p:nvSpPr>
+        <p:spPr>
+          <a:xfrm>
+            <a:off x="5295901" y="1816100"/>
+            <a:ext cx="1515487" cy="2286000"/>
+          </a:xfrm>
+          <a:custGeom>
+            <a:avLst/>
+            <a:gdLst>
+              <a:gd name="connsiteX0" fmla="*/ 1665213 w 1923139"/>
+              <a:gd name="connsiteY0" fmla="*/ 0 h 2387600"/>
+              <a:gd name="connsiteX1" fmla="*/ 1513 w 1923139"/>
+              <a:gd name="connsiteY1" fmla="*/ 431800 h 2387600"/>
+              <a:gd name="connsiteX2" fmla="*/ 1919213 w 1923139"/>
+              <a:gd name="connsiteY2" fmla="*/ 863600 h 2387600"/>
+              <a:gd name="connsiteX3" fmla="*/ 534913 w 1923139"/>
+              <a:gd name="connsiteY3" fmla="*/ 1435100 h 2387600"/>
+              <a:gd name="connsiteX4" fmla="*/ 1779513 w 1923139"/>
+              <a:gd name="connsiteY4" fmla="*/ 1803400 h 2387600"/>
+              <a:gd name="connsiteX5" fmla="*/ 674613 w 1923139"/>
+              <a:gd name="connsiteY5" fmla="*/ 2387600 h 2387600"/>
+              <a:gd name="connsiteX0" fmla="*/ 1664462 w 1922388"/>
+              <a:gd name="connsiteY0" fmla="*/ 0 h 2387600"/>
+              <a:gd name="connsiteX1" fmla="*/ 762 w 1922388"/>
+              <a:gd name="connsiteY1" fmla="*/ 431800 h 2387600"/>
+              <a:gd name="connsiteX2" fmla="*/ 1918462 w 1922388"/>
+              <a:gd name="connsiteY2" fmla="*/ 863600 h 2387600"/>
+              <a:gd name="connsiteX3" fmla="*/ 534162 w 1922388"/>
+              <a:gd name="connsiteY3" fmla="*/ 1435100 h 2387600"/>
+              <a:gd name="connsiteX4" fmla="*/ 1778762 w 1922388"/>
+              <a:gd name="connsiteY4" fmla="*/ 1803400 h 2387600"/>
+              <a:gd name="connsiteX5" fmla="*/ 673862 w 1922388"/>
+              <a:gd name="connsiteY5" fmla="*/ 2387600 h 2387600"/>
+              <a:gd name="connsiteX0" fmla="*/ 1693807 w 1951733"/>
+              <a:gd name="connsiteY0" fmla="*/ 0 h 2387600"/>
+              <a:gd name="connsiteX1" fmla="*/ 30107 w 1951733"/>
+              <a:gd name="connsiteY1" fmla="*/ 431800 h 2387600"/>
+              <a:gd name="connsiteX2" fmla="*/ 1947807 w 1951733"/>
+              <a:gd name="connsiteY2" fmla="*/ 863600 h 2387600"/>
+              <a:gd name="connsiteX3" fmla="*/ 563507 w 1951733"/>
+              <a:gd name="connsiteY3" fmla="*/ 1435100 h 2387600"/>
+              <a:gd name="connsiteX4" fmla="*/ 1808107 w 1951733"/>
+              <a:gd name="connsiteY4" fmla="*/ 1803400 h 2387600"/>
+              <a:gd name="connsiteX5" fmla="*/ 703207 w 1951733"/>
+              <a:gd name="connsiteY5" fmla="*/ 2387600 h 2387600"/>
+              <a:gd name="connsiteX0" fmla="*/ 1484215 w 1739663"/>
+              <a:gd name="connsiteY0" fmla="*/ 0 h 2387600"/>
+              <a:gd name="connsiteX1" fmla="*/ 36415 w 1739663"/>
+              <a:gd name="connsiteY1" fmla="*/ 520700 h 2387600"/>
+              <a:gd name="connsiteX2" fmla="*/ 1738215 w 1739663"/>
+              <a:gd name="connsiteY2" fmla="*/ 863600 h 2387600"/>
+              <a:gd name="connsiteX3" fmla="*/ 353915 w 1739663"/>
+              <a:gd name="connsiteY3" fmla="*/ 1435100 h 2387600"/>
+              <a:gd name="connsiteX4" fmla="*/ 1598515 w 1739663"/>
+              <a:gd name="connsiteY4" fmla="*/ 1803400 h 2387600"/>
+              <a:gd name="connsiteX5" fmla="*/ 493615 w 1739663"/>
+              <a:gd name="connsiteY5" fmla="*/ 2387600 h 2387600"/>
+              <a:gd name="connsiteX0" fmla="*/ 1448553 w 1602491"/>
+              <a:gd name="connsiteY0" fmla="*/ 0 h 2387600"/>
+              <a:gd name="connsiteX1" fmla="*/ 753 w 1602491"/>
+              <a:gd name="connsiteY1" fmla="*/ 520700 h 2387600"/>
+              <a:gd name="connsiteX2" fmla="*/ 1600953 w 1602491"/>
+              <a:gd name="connsiteY2" fmla="*/ 850900 h 2387600"/>
+              <a:gd name="connsiteX3" fmla="*/ 318253 w 1602491"/>
+              <a:gd name="connsiteY3" fmla="*/ 1435100 h 2387600"/>
+              <a:gd name="connsiteX4" fmla="*/ 1562853 w 1602491"/>
+              <a:gd name="connsiteY4" fmla="*/ 1803400 h 2387600"/>
+              <a:gd name="connsiteX5" fmla="*/ 457953 w 1602491"/>
+              <a:gd name="connsiteY5" fmla="*/ 2387600 h 2387600"/>
+              <a:gd name="connsiteX0" fmla="*/ 1448553 w 1602491"/>
+              <a:gd name="connsiteY0" fmla="*/ 0 h 2413000"/>
+              <a:gd name="connsiteX1" fmla="*/ 753 w 1602491"/>
+              <a:gd name="connsiteY1" fmla="*/ 520700 h 2413000"/>
+              <a:gd name="connsiteX2" fmla="*/ 1600953 w 1602491"/>
+              <a:gd name="connsiteY2" fmla="*/ 850900 h 2413000"/>
+              <a:gd name="connsiteX3" fmla="*/ 318253 w 1602491"/>
+              <a:gd name="connsiteY3" fmla="*/ 1435100 h 2413000"/>
+              <a:gd name="connsiteX4" fmla="*/ 1562853 w 1602491"/>
+              <a:gd name="connsiteY4" fmla="*/ 1803400 h 2413000"/>
+              <a:gd name="connsiteX5" fmla="*/ 407153 w 1602491"/>
+              <a:gd name="connsiteY5" fmla="*/ 2413000 h 2413000"/>
+              <a:gd name="connsiteX0" fmla="*/ 1448553 w 1602506"/>
+              <a:gd name="connsiteY0" fmla="*/ 0 h 2413000"/>
+              <a:gd name="connsiteX1" fmla="*/ 753 w 1602506"/>
+              <a:gd name="connsiteY1" fmla="*/ 520700 h 2413000"/>
+              <a:gd name="connsiteX2" fmla="*/ 1600953 w 1602506"/>
+              <a:gd name="connsiteY2" fmla="*/ 850900 h 2413000"/>
+              <a:gd name="connsiteX3" fmla="*/ 318253 w 1602506"/>
+              <a:gd name="connsiteY3" fmla="*/ 1435100 h 2413000"/>
+              <a:gd name="connsiteX4" fmla="*/ 1486653 w 1602506"/>
+              <a:gd name="connsiteY4" fmla="*/ 1816100 h 2413000"/>
+              <a:gd name="connsiteX5" fmla="*/ 407153 w 1602506"/>
+              <a:gd name="connsiteY5" fmla="*/ 2413000 h 2413000"/>
+              <a:gd name="connsiteX0" fmla="*/ 1448553 w 1602506"/>
+              <a:gd name="connsiteY0" fmla="*/ 0 h 2413000"/>
+              <a:gd name="connsiteX1" fmla="*/ 753 w 1602506"/>
+              <a:gd name="connsiteY1" fmla="*/ 520700 h 2413000"/>
+              <a:gd name="connsiteX2" fmla="*/ 1600953 w 1602506"/>
+              <a:gd name="connsiteY2" fmla="*/ 850900 h 2413000"/>
+              <a:gd name="connsiteX3" fmla="*/ 318253 w 1602506"/>
+              <a:gd name="connsiteY3" fmla="*/ 1435100 h 2413000"/>
+              <a:gd name="connsiteX4" fmla="*/ 1486653 w 1602506"/>
+              <a:gd name="connsiteY4" fmla="*/ 1816100 h 2413000"/>
+              <a:gd name="connsiteX5" fmla="*/ 407153 w 1602506"/>
+              <a:gd name="connsiteY5" fmla="*/ 2413000 h 2413000"/>
+              <a:gd name="connsiteX0" fmla="*/ 1448553 w 1602506"/>
+              <a:gd name="connsiteY0" fmla="*/ 0 h 2400300"/>
+              <a:gd name="connsiteX1" fmla="*/ 753 w 1602506"/>
+              <a:gd name="connsiteY1" fmla="*/ 520700 h 2400300"/>
+              <a:gd name="connsiteX2" fmla="*/ 1600953 w 1602506"/>
+              <a:gd name="connsiteY2" fmla="*/ 850900 h 2400300"/>
+              <a:gd name="connsiteX3" fmla="*/ 318253 w 1602506"/>
+              <a:gd name="connsiteY3" fmla="*/ 1435100 h 2400300"/>
+              <a:gd name="connsiteX4" fmla="*/ 1486653 w 1602506"/>
+              <a:gd name="connsiteY4" fmla="*/ 1816100 h 2400300"/>
+              <a:gd name="connsiteX5" fmla="*/ 496053 w 1602506"/>
+              <a:gd name="connsiteY5" fmla="*/ 2400300 h 2400300"/>
+              <a:gd name="connsiteX0" fmla="*/ 1448553 w 1602506"/>
+              <a:gd name="connsiteY0" fmla="*/ 0 h 2336800"/>
+              <a:gd name="connsiteX1" fmla="*/ 753 w 1602506"/>
+              <a:gd name="connsiteY1" fmla="*/ 520700 h 2336800"/>
+              <a:gd name="connsiteX2" fmla="*/ 1600953 w 1602506"/>
+              <a:gd name="connsiteY2" fmla="*/ 850900 h 2336800"/>
+              <a:gd name="connsiteX3" fmla="*/ 318253 w 1602506"/>
+              <a:gd name="connsiteY3" fmla="*/ 1435100 h 2336800"/>
+              <a:gd name="connsiteX4" fmla="*/ 1486653 w 1602506"/>
+              <a:gd name="connsiteY4" fmla="*/ 1816100 h 2336800"/>
+              <a:gd name="connsiteX5" fmla="*/ 686553 w 1602506"/>
+              <a:gd name="connsiteY5" fmla="*/ 2336800 h 2336800"/>
+              <a:gd name="connsiteX0" fmla="*/ 1447937 w 1513080"/>
+              <a:gd name="connsiteY0" fmla="*/ 0 h 2336800"/>
+              <a:gd name="connsiteX1" fmla="*/ 137 w 1513080"/>
+              <a:gd name="connsiteY1" fmla="*/ 520700 h 2336800"/>
+              <a:gd name="connsiteX2" fmla="*/ 1511437 w 1513080"/>
+              <a:gd name="connsiteY2" fmla="*/ 863600 h 2336800"/>
+              <a:gd name="connsiteX3" fmla="*/ 317637 w 1513080"/>
+              <a:gd name="connsiteY3" fmla="*/ 1435100 h 2336800"/>
+              <a:gd name="connsiteX4" fmla="*/ 1486037 w 1513080"/>
+              <a:gd name="connsiteY4" fmla="*/ 1816100 h 2336800"/>
+              <a:gd name="connsiteX5" fmla="*/ 685937 w 1513080"/>
+              <a:gd name="connsiteY5" fmla="*/ 2336800 h 2336800"/>
+              <a:gd name="connsiteX0" fmla="*/ 1447937 w 1513922"/>
+              <a:gd name="connsiteY0" fmla="*/ 0 h 2336800"/>
+              <a:gd name="connsiteX1" fmla="*/ 137 w 1513922"/>
+              <a:gd name="connsiteY1" fmla="*/ 520700 h 2336800"/>
+              <a:gd name="connsiteX2" fmla="*/ 1511437 w 1513922"/>
+              <a:gd name="connsiteY2" fmla="*/ 863600 h 2336800"/>
+              <a:gd name="connsiteX3" fmla="*/ 317637 w 1513922"/>
+              <a:gd name="connsiteY3" fmla="*/ 1435100 h 2336800"/>
+              <a:gd name="connsiteX4" fmla="*/ 1486037 w 1513922"/>
+              <a:gd name="connsiteY4" fmla="*/ 1816100 h 2336800"/>
+              <a:gd name="connsiteX5" fmla="*/ 685937 w 1513922"/>
+              <a:gd name="connsiteY5" fmla="*/ 2336800 h 2336800"/>
+              <a:gd name="connsiteX0" fmla="*/ 1447937 w 1515624"/>
+              <a:gd name="connsiteY0" fmla="*/ 0 h 2336800"/>
+              <a:gd name="connsiteX1" fmla="*/ 137 w 1515624"/>
+              <a:gd name="connsiteY1" fmla="*/ 520700 h 2336800"/>
+              <a:gd name="connsiteX2" fmla="*/ 1511437 w 1515624"/>
+              <a:gd name="connsiteY2" fmla="*/ 863600 h 2336800"/>
+              <a:gd name="connsiteX3" fmla="*/ 482737 w 1515624"/>
+              <a:gd name="connsiteY3" fmla="*/ 1422400 h 2336800"/>
+              <a:gd name="connsiteX4" fmla="*/ 1486037 w 1515624"/>
+              <a:gd name="connsiteY4" fmla="*/ 1816100 h 2336800"/>
+              <a:gd name="connsiteX5" fmla="*/ 685937 w 1515624"/>
+              <a:gd name="connsiteY5" fmla="*/ 2336800 h 2336800"/>
+              <a:gd name="connsiteX0" fmla="*/ 1447937 w 1515624"/>
+              <a:gd name="connsiteY0" fmla="*/ 0 h 2260600"/>
+              <a:gd name="connsiteX1" fmla="*/ 137 w 1515624"/>
+              <a:gd name="connsiteY1" fmla="*/ 520700 h 2260600"/>
+              <a:gd name="connsiteX2" fmla="*/ 1511437 w 1515624"/>
+              <a:gd name="connsiteY2" fmla="*/ 863600 h 2260600"/>
+              <a:gd name="connsiteX3" fmla="*/ 482737 w 1515624"/>
+              <a:gd name="connsiteY3" fmla="*/ 1422400 h 2260600"/>
+              <a:gd name="connsiteX4" fmla="*/ 1486037 w 1515624"/>
+              <a:gd name="connsiteY4" fmla="*/ 1816100 h 2260600"/>
+              <a:gd name="connsiteX5" fmla="*/ 736737 w 1515624"/>
+              <a:gd name="connsiteY5" fmla="*/ 2260600 h 2260600"/>
+              <a:gd name="connsiteX0" fmla="*/ 1447937 w 1515624"/>
+              <a:gd name="connsiteY0" fmla="*/ 0 h 2260600"/>
+              <a:gd name="connsiteX1" fmla="*/ 137 w 1515624"/>
+              <a:gd name="connsiteY1" fmla="*/ 520700 h 2260600"/>
+              <a:gd name="connsiteX2" fmla="*/ 1511437 w 1515624"/>
+              <a:gd name="connsiteY2" fmla="*/ 863600 h 2260600"/>
+              <a:gd name="connsiteX3" fmla="*/ 482737 w 1515624"/>
+              <a:gd name="connsiteY3" fmla="*/ 1422400 h 2260600"/>
+              <a:gd name="connsiteX4" fmla="*/ 1486037 w 1515624"/>
+              <a:gd name="connsiteY4" fmla="*/ 1816100 h 2260600"/>
+              <a:gd name="connsiteX5" fmla="*/ 736737 w 1515624"/>
+              <a:gd name="connsiteY5" fmla="*/ 2260600 h 2260600"/>
+              <a:gd name="connsiteX0" fmla="*/ 1447937 w 1515624"/>
+              <a:gd name="connsiteY0" fmla="*/ 0 h 2260600"/>
+              <a:gd name="connsiteX1" fmla="*/ 137 w 1515624"/>
+              <a:gd name="connsiteY1" fmla="*/ 520700 h 2260600"/>
+              <a:gd name="connsiteX2" fmla="*/ 1511437 w 1515624"/>
+              <a:gd name="connsiteY2" fmla="*/ 863600 h 2260600"/>
+              <a:gd name="connsiteX3" fmla="*/ 482737 w 1515624"/>
+              <a:gd name="connsiteY3" fmla="*/ 1422400 h 2260600"/>
+              <a:gd name="connsiteX4" fmla="*/ 1486037 w 1515624"/>
+              <a:gd name="connsiteY4" fmla="*/ 1816100 h 2260600"/>
+              <a:gd name="connsiteX5" fmla="*/ 736737 w 1515624"/>
+              <a:gd name="connsiteY5" fmla="*/ 2260600 h 2260600"/>
+              <a:gd name="connsiteX0" fmla="*/ 1511300 w 1515487"/>
+              <a:gd name="connsiteY0" fmla="*/ 0 h 2286000"/>
+              <a:gd name="connsiteX1" fmla="*/ 0 w 1515487"/>
+              <a:gd name="connsiteY1" fmla="*/ 546100 h 2286000"/>
+              <a:gd name="connsiteX2" fmla="*/ 1511300 w 1515487"/>
+              <a:gd name="connsiteY2" fmla="*/ 889000 h 2286000"/>
+              <a:gd name="connsiteX3" fmla="*/ 482600 w 1515487"/>
+              <a:gd name="connsiteY3" fmla="*/ 1447800 h 2286000"/>
+              <a:gd name="connsiteX4" fmla="*/ 1485900 w 1515487"/>
+              <a:gd name="connsiteY4" fmla="*/ 1841500 h 2286000"/>
+              <a:gd name="connsiteX5" fmla="*/ 736600 w 1515487"/>
+              <a:gd name="connsiteY5" fmla="*/ 2286000 h 2286000"/>
+            </a:gdLst>
+            <a:ahLst/>
+            <a:cxnLst>
+              <a:cxn ang="0">
+                <a:pos x="connsiteX0" y="connsiteY0"/>
+              </a:cxn>
+              <a:cxn ang="0">
+                <a:pos x="connsiteX1" y="connsiteY1"/>
+              </a:cxn>
+              <a:cxn ang="0">
+                <a:pos x="connsiteX2" y="connsiteY2"/>
+              </a:cxn>
+              <a:cxn ang="0">
+                <a:pos x="connsiteX3" y="connsiteY3"/>
+              </a:cxn>
+              <a:cxn ang="0">
+                <a:pos x="connsiteX4" y="connsiteY4"/>
+              </a:cxn>
+              <a:cxn ang="0">
+                <a:pos x="connsiteX5" y="connsiteY5"/>
+              </a:cxn>
+            </a:cxnLst>
+            <a:rect l="l" t="t" r="r" b="b"/>
+            <a:pathLst>
+              <a:path w="1515487" h="2286000">
+                <a:moveTo>
+                  <a:pt x="1511300" y="0"/>
+                </a:moveTo>
+                <a:cubicBezTo>
+                  <a:pt x="658283" y="143933"/>
+                  <a:pt x="0" y="397933"/>
+                  <a:pt x="0" y="546100"/>
+                </a:cubicBezTo>
+                <a:cubicBezTo>
+                  <a:pt x="0" y="694267"/>
+                  <a:pt x="1430867" y="738717"/>
+                  <a:pt x="1511300" y="889000"/>
+                </a:cubicBezTo>
+                <a:cubicBezTo>
+                  <a:pt x="1591733" y="1039283"/>
+                  <a:pt x="486833" y="1289050"/>
+                  <a:pt x="482600" y="1447800"/>
+                </a:cubicBezTo>
+                <a:cubicBezTo>
+                  <a:pt x="478367" y="1606550"/>
+                  <a:pt x="1443567" y="1701800"/>
+                  <a:pt x="1485900" y="1841500"/>
+                </a:cubicBezTo>
+                <a:cubicBezTo>
+                  <a:pt x="1528233" y="1981200"/>
+                  <a:pt x="1083733" y="2156883"/>
+                  <a:pt x="736600" y="2286000"/>
+                </a:cubicBezTo>
+              </a:path>
+            </a:pathLst>
+          </a:custGeom>
+          <a:noFill/>
+          <a:ln w="25400">
+            <a:gradFill>
+              <a:gsLst>
+                <a:gs pos="69000">
+                  <a:srgbClr val="23EBFA">
+                    <a:alpha val="0"/>
+                  </a:srgbClr>
+                </a:gs>
+                <a:gs pos="35000">
+                  <a:srgbClr val="21ECFA">
+                    <a:alpha val="0"/>
+                  </a:srgbClr>
+                </a:gs>
+                <a:gs pos="40000">
+                  <a:srgbClr val="43E6F7"/>
+                </a:gs>
+                <a:gs pos="0">
+                  <a:srgbClr val="03F1FD">
+                    <a:alpha val="0"/>
+                  </a:srgbClr>
+                </a:gs>
+                <a:gs pos="30000">
+                  <a:srgbClr val="19EDFB">
+                    <a:alpha val="0"/>
+                  </a:srgbClr>
+                </a:gs>
+                <a:gs pos="12000">
+                  <a:srgbClr val="03F1FD"/>
+                </a:gs>
+                <a:gs pos="100000">
+                  <a:srgbClr val="30E9F9">
+                    <a:alpha val="0"/>
+                  </a:srgbClr>
+                </a:gs>
+                <a:gs pos="83000">
+                  <a:srgbClr val="19EDFB"/>
+                </a:gs>
+                <a:gs pos="76000">
+                  <a:srgbClr val="03F1FD">
+                    <a:alpha val="0"/>
+                  </a:srgbClr>
+                </a:gs>
+              </a:gsLst>
+              <a:lin ang="5400000" scaled="1"/>
+            </a:gradFill>
+          </a:ln>
+        </p:spPr>
+        <p:style>
+          <a:lnRef idx="2">
+            <a:schemeClr val="accent1">
+              <a:shade val="50000"/>
+            </a:schemeClr>
+          </a:lnRef>
+          <a:fillRef idx="1">
+            <a:schemeClr val="accent1"/>
+          </a:fillRef>
+          <a:effectRef idx="0">
+            <a:schemeClr val="accent1"/>
+          </a:effectRef>
+          <a:fontRef idx="minor">
+            <a:schemeClr val="lt1"/>
+          </a:fontRef>
+        </p:style>
+        <p:txBody>
+          <a:bodyPr rtlCol="0" anchor="ctr"/>
+          <a:lstStyle/>
+          <a:p>
+            <a:pPr algn="ctr"/>
+            <a:endParaRPr lang="zh-CN" altLang="en-US"/>
+          </a:p>
+        </p:txBody>
+      </p:sp>
     </p:spTree>
     <p:extLst>
       <p:ext uri="{BB962C8B-B14F-4D97-AF65-F5344CB8AC3E}">
@@ -48165,283 +48699,6 @@
 </file>
 
 <file path=ppt/slideLayouts/slideLayout7.xml><?xml version="1.0" encoding="utf-8"?>
-<p:sldLayout xmlns:a="http://schemas.openxmlformats.org/drawingml/2006/main" xmlns:r="http://schemas.openxmlformats.org/officeDocument/2006/relationships" xmlns:p="http://schemas.openxmlformats.org/presentationml/2006/main" type="twoObj" preserve="1">
-  <p:cSld name="两栏内容">
-    <p:spTree>
-      <p:nvGrpSpPr>
-        <p:cNvPr id="1" name=""/>
-        <p:cNvGrpSpPr/>
-        <p:nvPr/>
-      </p:nvGrpSpPr>
-      <p:grpSpPr>
-        <a:xfrm>
-          <a:off x="0" y="0"/>
-          <a:ext cx="0" cy="0"/>
-          <a:chOff x="0" y="0"/>
-          <a:chExt cx="0" cy="0"/>
-        </a:xfrm>
-      </p:grpSpPr>
-      <p:sp>
-        <p:nvSpPr>
-          <p:cNvPr id="2" name="标题 1"/>
-          <p:cNvSpPr>
-            <a:spLocks noGrp="1"/>
-          </p:cNvSpPr>
-          <p:nvPr>
-            <p:ph type="title"/>
-          </p:nvPr>
-        </p:nvSpPr>
-        <p:spPr>
-          <a:xfrm>
-            <a:off x="838200" y="365125"/>
-            <a:ext cx="10515600" cy="1325563"/>
-          </a:xfrm>
-          <a:prstGeom prst="rect">
-            <a:avLst/>
-          </a:prstGeom>
-        </p:spPr>
-        <p:txBody>
-          <a:bodyPr/>
-          <a:lstStyle/>
-          <a:p>
-            <a:r>
-              <a:rPr lang="zh-CN" altLang="en-US" smtClean="0"/>
-              <a:t>单击此处编辑母版标题样式</a:t>
-            </a:r>
-            <a:endParaRPr lang="zh-CN" altLang="en-US"/>
-          </a:p>
-        </p:txBody>
-      </p:sp>
-      <p:sp>
-        <p:nvSpPr>
-          <p:cNvPr id="3" name="内容占位符 2"/>
-          <p:cNvSpPr>
-            <a:spLocks noGrp="1"/>
-          </p:cNvSpPr>
-          <p:nvPr>
-            <p:ph sz="half" idx="1"/>
-          </p:nvPr>
-        </p:nvSpPr>
-        <p:spPr>
-          <a:xfrm>
-            <a:off x="838200" y="1825625"/>
-            <a:ext cx="5181600" cy="4351338"/>
-          </a:xfrm>
-          <a:prstGeom prst="rect">
-            <a:avLst/>
-          </a:prstGeom>
-        </p:spPr>
-        <p:txBody>
-          <a:bodyPr/>
-          <a:lstStyle/>
-          <a:p>
-            <a:pPr lvl="0"/>
-            <a:r>
-              <a:rPr lang="zh-CN" altLang="en-US" smtClean="0"/>
-              <a:t>编辑母版文本样式</a:t>
-            </a:r>
-          </a:p>
-          <a:p>
-            <a:pPr lvl="1"/>
-            <a:r>
-              <a:rPr lang="zh-CN" altLang="en-US" smtClean="0"/>
-              <a:t>第二级</a:t>
-            </a:r>
-          </a:p>
-          <a:p>
-            <a:pPr lvl="2"/>
-            <a:r>
-              <a:rPr lang="zh-CN" altLang="en-US" smtClean="0"/>
-              <a:t>第三级</a:t>
-            </a:r>
-          </a:p>
-          <a:p>
-            <a:pPr lvl="3"/>
-            <a:r>
-              <a:rPr lang="zh-CN" altLang="en-US" smtClean="0"/>
-              <a:t>第四级</a:t>
-            </a:r>
-          </a:p>
-          <a:p>
-            <a:pPr lvl="4"/>
-            <a:r>
-              <a:rPr lang="zh-CN" altLang="en-US" smtClean="0"/>
-              <a:t>第五级</a:t>
-            </a:r>
-            <a:endParaRPr lang="zh-CN" altLang="en-US"/>
-          </a:p>
-        </p:txBody>
-      </p:sp>
-      <p:sp>
-        <p:nvSpPr>
-          <p:cNvPr id="4" name="内容占位符 3"/>
-          <p:cNvSpPr>
-            <a:spLocks noGrp="1"/>
-          </p:cNvSpPr>
-          <p:nvPr>
-            <p:ph sz="half" idx="2"/>
-          </p:nvPr>
-        </p:nvSpPr>
-        <p:spPr>
-          <a:xfrm>
-            <a:off x="6172200" y="1825625"/>
-            <a:ext cx="5181600" cy="4351338"/>
-          </a:xfrm>
-          <a:prstGeom prst="rect">
-            <a:avLst/>
-          </a:prstGeom>
-        </p:spPr>
-        <p:txBody>
-          <a:bodyPr/>
-          <a:lstStyle/>
-          <a:p>
-            <a:pPr lvl="0"/>
-            <a:r>
-              <a:rPr lang="zh-CN" altLang="en-US" smtClean="0"/>
-              <a:t>编辑母版文本样式</a:t>
-            </a:r>
-          </a:p>
-          <a:p>
-            <a:pPr lvl="1"/>
-            <a:r>
-              <a:rPr lang="zh-CN" altLang="en-US" smtClean="0"/>
-              <a:t>第二级</a:t>
-            </a:r>
-          </a:p>
-          <a:p>
-            <a:pPr lvl="2"/>
-            <a:r>
-              <a:rPr lang="zh-CN" altLang="en-US" smtClean="0"/>
-              <a:t>第三级</a:t>
-            </a:r>
-          </a:p>
-          <a:p>
-            <a:pPr lvl="3"/>
-            <a:r>
-              <a:rPr lang="zh-CN" altLang="en-US" smtClean="0"/>
-              <a:t>第四级</a:t>
-            </a:r>
-          </a:p>
-          <a:p>
-            <a:pPr lvl="4"/>
-            <a:r>
-              <a:rPr lang="zh-CN" altLang="en-US" smtClean="0"/>
-              <a:t>第五级</a:t>
-            </a:r>
-            <a:endParaRPr lang="zh-CN" altLang="en-US"/>
-          </a:p>
-        </p:txBody>
-      </p:sp>
-      <p:sp>
-        <p:nvSpPr>
-          <p:cNvPr id="5" name="日期占位符 4"/>
-          <p:cNvSpPr>
-            <a:spLocks noGrp="1"/>
-          </p:cNvSpPr>
-          <p:nvPr>
-            <p:ph type="dt" sz="half" idx="10"/>
-          </p:nvPr>
-        </p:nvSpPr>
-        <p:spPr>
-          <a:xfrm>
-            <a:off x="838200" y="6356350"/>
-            <a:ext cx="2743200" cy="365125"/>
-          </a:xfrm>
-          <a:prstGeom prst="rect">
-            <a:avLst/>
-          </a:prstGeom>
-        </p:spPr>
-        <p:txBody>
-          <a:bodyPr/>
-          <a:lstStyle/>
-          <a:p>
-            <a:fld id="{1F9A36AE-B285-448E-A1E1-728B7912F5D4}" type="datetimeFigureOut">
-              <a:rPr lang="zh-CN" altLang="en-US" smtClean="0"/>
-              <a:t>2020/4/8</a:t>
-            </a:fld>
-            <a:endParaRPr lang="zh-CN" altLang="en-US"/>
-          </a:p>
-        </p:txBody>
-      </p:sp>
-      <p:sp>
-        <p:nvSpPr>
-          <p:cNvPr id="6" name="页脚占位符 5"/>
-          <p:cNvSpPr>
-            <a:spLocks noGrp="1"/>
-          </p:cNvSpPr>
-          <p:nvPr>
-            <p:ph type="ftr" sz="quarter" idx="11"/>
-          </p:nvPr>
-        </p:nvSpPr>
-        <p:spPr>
-          <a:xfrm>
-            <a:off x="4038600" y="6356350"/>
-            <a:ext cx="4114800" cy="365125"/>
-          </a:xfrm>
-          <a:prstGeom prst="rect">
-            <a:avLst/>
-          </a:prstGeom>
-        </p:spPr>
-        <p:txBody>
-          <a:bodyPr/>
-          <a:lstStyle/>
-          <a:p>
-            <a:endParaRPr lang="zh-CN" altLang="en-US"/>
-          </a:p>
-        </p:txBody>
-      </p:sp>
-      <p:sp>
-        <p:nvSpPr>
-          <p:cNvPr id="7" name="灯片编号占位符 6"/>
-          <p:cNvSpPr>
-            <a:spLocks noGrp="1"/>
-          </p:cNvSpPr>
-          <p:nvPr>
-            <p:ph type="sldNum" sz="quarter" idx="12"/>
-          </p:nvPr>
-        </p:nvSpPr>
-        <p:spPr>
-          <a:xfrm>
-            <a:off x="8610600" y="6356350"/>
-            <a:ext cx="2743200" cy="365125"/>
-          </a:xfrm>
-          <a:prstGeom prst="rect">
-            <a:avLst/>
-          </a:prstGeom>
-        </p:spPr>
-        <p:txBody>
-          <a:bodyPr/>
-          <a:lstStyle/>
-          <a:p>
-            <a:fld id="{F22A6C8B-0B81-4DDC-9A1D-1B5B57404F90}" type="slidenum">
-              <a:rPr lang="zh-CN" altLang="en-US" smtClean="0"/>
-              <a:t>‹#›</a:t>
-            </a:fld>
-            <a:endParaRPr lang="zh-CN" altLang="en-US"/>
-          </a:p>
-        </p:txBody>
-      </p:sp>
-    </p:spTree>
-    <p:extLst>
-      <p:ext uri="{BB962C8B-B14F-4D97-AF65-F5344CB8AC3E}">
-        <p14:creationId xmlns:p14="http://schemas.microsoft.com/office/powerpoint/2010/main" val="3207238863"/>
-      </p:ext>
-    </p:extLst>
-  </p:cSld>
-  <p:clrMapOvr>
-    <a:masterClrMapping/>
-  </p:clrMapOvr>
-  <p:timing>
-    <p:tnLst>
-      <p:par>
-        <p:cTn id="1" dur="indefinite" restart="never" nodeType="tmRoot"/>
-      </p:par>
-    </p:tnLst>
-  </p:timing>
-</p:sldLayout>
-</file>
-
-<file path=ppt/slideLayouts/slideLayout8.xml><?xml version="1.0" encoding="utf-8"?>
 <p:sldLayout xmlns:a="http://schemas.openxmlformats.org/drawingml/2006/main" xmlns:r="http://schemas.openxmlformats.org/officeDocument/2006/relationships" xmlns:p="http://schemas.openxmlformats.org/presentationml/2006/main" type="twoTxTwoObj" preserve="1">
   <p:cSld name="比较">
     <p:spTree>
@@ -48770,7 +49027,7 @@
           <a:p>
             <a:fld id="{1F9A36AE-B285-448E-A1E1-728B7912F5D4}" type="datetimeFigureOut">
               <a:rPr lang="zh-CN" altLang="en-US" smtClean="0"/>
-              <a:t>2020/4/8</a:t>
+              <a:t>2020/4/9</a:t>
             </a:fld>
             <a:endParaRPr lang="zh-CN" altLang="en-US"/>
           </a:p>
@@ -48854,7 +49111,7 @@
 </p:sldLayout>
 </file>
 
-<file path=ppt/slideLayouts/slideLayout9.xml><?xml version="1.0" encoding="utf-8"?>
+<file path=ppt/slideLayouts/slideLayout8.xml><?xml version="1.0" encoding="utf-8"?>
 <p:sldLayout xmlns:a="http://schemas.openxmlformats.org/drawingml/2006/main" xmlns:r="http://schemas.openxmlformats.org/officeDocument/2006/relationships" xmlns:p="http://schemas.openxmlformats.org/presentationml/2006/main" type="titleOnly" preserve="1">
   <p:cSld name="仅标题">
     <p:spTree>
@@ -48927,7 +49184,7 @@
           <a:p>
             <a:fld id="{1F9A36AE-B285-448E-A1E1-728B7912F5D4}" type="datetimeFigureOut">
               <a:rPr lang="zh-CN" altLang="en-US" smtClean="0"/>
-              <a:t>2020/4/8</a:t>
+              <a:t>2020/4/9</a:t>
             </a:fld>
             <a:endParaRPr lang="zh-CN" altLang="en-US"/>
           </a:p>
@@ -49004,6 +49261,36 @@
 </p:sldLayout>
 </file>
 
+<file path=ppt/slideLayouts/slideLayout9.xml><?xml version="1.0" encoding="utf-8"?>
+<p:sldLayout xmlns:a="http://schemas.openxmlformats.org/drawingml/2006/main" xmlns:r="http://schemas.openxmlformats.org/officeDocument/2006/relationships" xmlns:p="http://schemas.openxmlformats.org/presentationml/2006/main" type="blank" preserve="1">
+  <p:cSld name="空白">
+    <p:spTree>
+      <p:nvGrpSpPr>
+        <p:cNvPr id="1" name=""/>
+        <p:cNvGrpSpPr/>
+        <p:nvPr/>
+      </p:nvGrpSpPr>
+      <p:grpSpPr>
+        <a:xfrm>
+          <a:off x="0" y="0"/>
+          <a:ext cx="0" cy="0"/>
+          <a:chOff x="0" y="0"/>
+          <a:chExt cx="0" cy="0"/>
+        </a:xfrm>
+      </p:grpSpPr>
+    </p:spTree>
+    <p:extLst>
+      <p:ext uri="{BB962C8B-B14F-4D97-AF65-F5344CB8AC3E}">
+        <p14:creationId xmlns:p14="http://schemas.microsoft.com/office/powerpoint/2010/main" val="1567960854"/>
+      </p:ext>
+    </p:extLst>
+  </p:cSld>
+  <p:clrMapOvr>
+    <a:masterClrMapping/>
+  </p:clrMapOvr>
+</p:sldLayout>
+</file>
+
 <file path=ppt/slideMasters/slideMaster1.xml><?xml version="1.0" encoding="utf-8"?>
 <p:sldMaster xmlns:a="http://schemas.openxmlformats.org/drawingml/2006/main" xmlns:r="http://schemas.openxmlformats.org/officeDocument/2006/relationships" xmlns:p="http://schemas.openxmlformats.org/presentationml/2006/main">
   <p:cSld>
@@ -49041,14 +49328,13 @@
     <p:sldLayoutId id="2147483651" r:id="rId4"/>
     <p:sldLayoutId id="2147483677" r:id="rId5"/>
     <p:sldLayoutId id="2147483676" r:id="rId6"/>
-    <p:sldLayoutId id="2147483652" r:id="rId7"/>
-    <p:sldLayoutId id="2147483653" r:id="rId8"/>
-    <p:sldLayoutId id="2147483654" r:id="rId9"/>
-    <p:sldLayoutId id="2147483655" r:id="rId10"/>
-    <p:sldLayoutId id="2147483656" r:id="rId11"/>
-    <p:sldLayoutId id="2147483657" r:id="rId12"/>
-    <p:sldLayoutId id="2147483658" r:id="rId13"/>
-    <p:sldLayoutId id="2147483659" r:id="rId14"/>
+    <p:sldLayoutId id="2147483653" r:id="rId7"/>
+    <p:sldLayoutId id="2147483654" r:id="rId8"/>
+    <p:sldLayoutId id="2147483655" r:id="rId9"/>
+    <p:sldLayoutId id="2147483656" r:id="rId10"/>
+    <p:sldLayoutId id="2147483657" r:id="rId11"/>
+    <p:sldLayoutId id="2147483658" r:id="rId12"/>
+    <p:sldLayoutId id="2147483659" r:id="rId13"/>
   </p:sldLayoutIdLst>
   <p:timing>
     <p:tnLst>
@@ -49492,7 +49778,7 @@
           <a:p>
             <a:fld id="{730EF46A-8642-432D-940E-6B42E58DC655}" type="datetimeFigureOut">
               <a:rPr lang="zh-CN" altLang="en-US" smtClean="0"/>
-              <a:t>2020/4/8</a:t>
+              <a:t>2020/4/9</a:t>
             </a:fld>
             <a:endParaRPr lang="zh-CN" altLang="en-US"/>
           </a:p>

--- a/想象力_mock.pptx
+++ b/想象力_mock.pptx
@@ -11,7 +11,7 @@
   <p:sldIdLst>
     <p:sldId id="256" r:id="rId3"/>
     <p:sldId id="257" r:id="rId4"/>
-    <p:sldId id="258" r:id="rId5"/>
+    <p:sldId id="259" r:id="rId5"/>
   </p:sldIdLst>
   <p:sldSz cx="12192000" cy="6858000"/>
   <p:notesSz cx="6858000" cy="9144000"/>
@@ -31875,13 +31875,13 @@
       <p:bgPr>
         <a:gradFill>
           <a:gsLst>
-            <a:gs pos="20000">
+            <a:gs pos="0">
               <a:srgbClr val="050537"/>
             </a:gs>
-            <a:gs pos="58000">
+            <a:gs pos="45000">
               <a:srgbClr val="180F3A"/>
             </a:gs>
-            <a:gs pos="84000">
+            <a:gs pos="85000">
               <a:srgbClr val="4A113C"/>
             </a:gs>
           </a:gsLst>
@@ -39432,153 +39432,138 @@
           </p:sp>
         </p:grpSp>
       </p:grpSp>
-      <p:grpSp>
-        <p:nvGrpSpPr>
-          <p:cNvPr id="6" name="组合 5"/>
-          <p:cNvGrpSpPr/>
+      <p:sp>
+        <p:nvSpPr>
+          <p:cNvPr id="4" name="椭圆 3"/>
+          <p:cNvSpPr/>
           <p:nvPr userDrawn="1"/>
-        </p:nvGrpSpPr>
-        <p:grpSpPr>
+        </p:nvSpPr>
+        <p:spPr>
           <a:xfrm>
-            <a:off x="1270000" y="558800"/>
-            <a:ext cx="9652000" cy="5254171"/>
-            <a:chOff x="1284515" y="558800"/>
-            <a:chExt cx="9652000" cy="5254171"/>
+            <a:off x="1270000" y="288833"/>
+            <a:ext cx="9652000" cy="5225144"/>
           </a:xfrm>
-        </p:grpSpPr>
-        <p:sp>
-          <p:nvSpPr>
-            <p:cNvPr id="4" name="椭圆 3"/>
-            <p:cNvSpPr/>
-            <p:nvPr userDrawn="1"/>
-          </p:nvSpPr>
-          <p:spPr>
-            <a:xfrm>
-              <a:off x="1284515" y="573313"/>
-              <a:ext cx="9652000" cy="5225144"/>
-            </a:xfrm>
-            <a:prstGeom prst="ellipse">
-              <a:avLst/>
-            </a:prstGeom>
-            <a:gradFill>
-              <a:gsLst>
-                <a:gs pos="95000">
-                  <a:srgbClr val="841E6C">
-                    <a:alpha val="0"/>
-                  </a:srgbClr>
-                </a:gs>
-                <a:gs pos="36000">
-                  <a:srgbClr val="4A113C">
-                    <a:alpha val="57000"/>
-                  </a:srgbClr>
-                </a:gs>
-                <a:gs pos="0">
-                  <a:srgbClr val="4A113C"/>
-                </a:gs>
-              </a:gsLst>
-              <a:path path="circle">
-                <a:fillToRect l="50000" t="50000" r="50000" b="50000"/>
-              </a:path>
-            </a:gradFill>
-            <a:ln>
-              <a:noFill/>
-            </a:ln>
-            <a:effectLst>
-              <a:softEdge rad="1117600"/>
-            </a:effectLst>
-          </p:spPr>
-          <p:style>
-            <a:lnRef idx="2">
-              <a:schemeClr val="accent1">
-                <a:shade val="50000"/>
-              </a:schemeClr>
-            </a:lnRef>
-            <a:fillRef idx="1">
-              <a:schemeClr val="accent1"/>
-            </a:fillRef>
-            <a:effectRef idx="0">
-              <a:schemeClr val="accent1"/>
-            </a:effectRef>
-            <a:fontRef idx="minor">
-              <a:schemeClr val="lt1"/>
-            </a:fontRef>
-          </p:style>
-          <p:txBody>
-            <a:bodyPr rtlCol="0" anchor="ctr"/>
-            <a:lstStyle/>
-            <a:p>
-              <a:pPr algn="ctr"/>
-              <a:endParaRPr lang="zh-CN" altLang="en-US"/>
-            </a:p>
-          </p:txBody>
-        </p:sp>
-        <p:sp>
-          <p:nvSpPr>
-            <p:cNvPr id="160" name="椭圆 159"/>
-            <p:cNvSpPr/>
-            <p:nvPr userDrawn="1"/>
-          </p:nvSpPr>
-          <p:spPr>
-            <a:xfrm>
-              <a:off x="1988515" y="558800"/>
-              <a:ext cx="8244000" cy="5254171"/>
-            </a:xfrm>
-            <a:prstGeom prst="ellipse">
-              <a:avLst/>
-            </a:prstGeom>
-            <a:gradFill>
-              <a:gsLst>
-                <a:gs pos="58000">
-                  <a:srgbClr val="841E6C">
-                    <a:alpha val="0"/>
-                  </a:srgbClr>
-                </a:gs>
-                <a:gs pos="36000">
-                  <a:srgbClr val="4A113C">
-                    <a:alpha val="57000"/>
-                  </a:srgbClr>
-                </a:gs>
-                <a:gs pos="0">
-                  <a:srgbClr val="4A113C"/>
-                </a:gs>
-              </a:gsLst>
-              <a:path path="circle">
-                <a:fillToRect l="50000" t="50000" r="50000" b="50000"/>
-              </a:path>
-            </a:gradFill>
-            <a:ln>
-              <a:noFill/>
-            </a:ln>
-            <a:effectLst>
-              <a:softEdge rad="1117600"/>
-            </a:effectLst>
-          </p:spPr>
-          <p:style>
-            <a:lnRef idx="2">
-              <a:schemeClr val="accent1">
-                <a:shade val="50000"/>
-              </a:schemeClr>
-            </a:lnRef>
-            <a:fillRef idx="1">
-              <a:schemeClr val="accent1"/>
-            </a:fillRef>
-            <a:effectRef idx="0">
-              <a:schemeClr val="accent1"/>
-            </a:effectRef>
-            <a:fontRef idx="minor">
-              <a:schemeClr val="lt1"/>
-            </a:fontRef>
-          </p:style>
-          <p:txBody>
-            <a:bodyPr rtlCol="0" anchor="ctr"/>
-            <a:lstStyle/>
-            <a:p>
-              <a:pPr algn="ctr"/>
-              <a:endParaRPr lang="zh-CN" altLang="en-US" dirty="0"/>
-            </a:p>
-          </p:txBody>
-        </p:sp>
-      </p:grpSp>
+          <a:prstGeom prst="ellipse">
+            <a:avLst/>
+          </a:prstGeom>
+          <a:gradFill>
+            <a:gsLst>
+              <a:gs pos="95000">
+                <a:srgbClr val="841E6C">
+                  <a:alpha val="0"/>
+                </a:srgbClr>
+              </a:gs>
+              <a:gs pos="36000">
+                <a:srgbClr val="4A113C">
+                  <a:alpha val="57000"/>
+                </a:srgbClr>
+              </a:gs>
+              <a:gs pos="0">
+                <a:srgbClr val="4A113C"/>
+              </a:gs>
+            </a:gsLst>
+            <a:path path="circle">
+              <a:fillToRect l="50000" t="50000" r="50000" b="50000"/>
+            </a:path>
+          </a:gradFill>
+          <a:ln>
+            <a:noFill/>
+          </a:ln>
+          <a:effectLst>
+            <a:softEdge rad="1117600"/>
+          </a:effectLst>
+        </p:spPr>
+        <p:style>
+          <a:lnRef idx="2">
+            <a:schemeClr val="accent1">
+              <a:shade val="50000"/>
+            </a:schemeClr>
+          </a:lnRef>
+          <a:fillRef idx="1">
+            <a:schemeClr val="accent1"/>
+          </a:fillRef>
+          <a:effectRef idx="0">
+            <a:schemeClr val="accent1"/>
+          </a:effectRef>
+          <a:fontRef idx="minor">
+            <a:schemeClr val="lt1"/>
+          </a:fontRef>
+        </p:style>
+        <p:txBody>
+          <a:bodyPr rtlCol="0" anchor="ctr"/>
+          <a:lstStyle/>
+          <a:p>
+            <a:pPr algn="ctr"/>
+            <a:endParaRPr lang="zh-CN" altLang="en-US"/>
+          </a:p>
+        </p:txBody>
+      </p:sp>
+      <p:sp>
+        <p:nvSpPr>
+          <p:cNvPr id="160" name="椭圆 159"/>
+          <p:cNvSpPr/>
+          <p:nvPr userDrawn="1"/>
+        </p:nvSpPr>
+        <p:spPr>
+          <a:xfrm>
+            <a:off x="1974000" y="1168400"/>
+            <a:ext cx="8244000" cy="5254171"/>
+          </a:xfrm>
+          <a:prstGeom prst="ellipse">
+            <a:avLst/>
+          </a:prstGeom>
+          <a:gradFill>
+            <a:gsLst>
+              <a:gs pos="58000">
+                <a:srgbClr val="841E6C">
+                  <a:alpha val="0"/>
+                </a:srgbClr>
+              </a:gs>
+              <a:gs pos="36000">
+                <a:srgbClr val="4A113C">
+                  <a:alpha val="57000"/>
+                </a:srgbClr>
+              </a:gs>
+              <a:gs pos="0">
+                <a:srgbClr val="4A113C"/>
+              </a:gs>
+            </a:gsLst>
+            <a:path path="circle">
+              <a:fillToRect l="50000" t="50000" r="50000" b="50000"/>
+            </a:path>
+          </a:gradFill>
+          <a:ln>
+            <a:noFill/>
+          </a:ln>
+          <a:effectLst>
+            <a:softEdge rad="1117600"/>
+          </a:effectLst>
+        </p:spPr>
+        <p:style>
+          <a:lnRef idx="2">
+            <a:schemeClr val="accent1">
+              <a:shade val="50000"/>
+            </a:schemeClr>
+          </a:lnRef>
+          <a:fillRef idx="1">
+            <a:schemeClr val="accent1"/>
+          </a:fillRef>
+          <a:effectRef idx="0">
+            <a:schemeClr val="accent1"/>
+          </a:effectRef>
+          <a:fontRef idx="minor">
+            <a:schemeClr val="lt1"/>
+          </a:fontRef>
+        </p:style>
+        <p:txBody>
+          <a:bodyPr rtlCol="0" anchor="ctr"/>
+          <a:lstStyle/>
+          <a:p>
+            <a:pPr algn="ctr"/>
+            <a:endParaRPr lang="zh-CN" altLang="en-US" dirty="0"/>
+          </a:p>
+        </p:txBody>
+      </p:sp>
       <p:sp>
         <p:nvSpPr>
           <p:cNvPr id="8" name="文本框 7"/>
@@ -39587,7 +39572,7 @@
         </p:nvSpPr>
         <p:spPr>
           <a:xfrm>
-            <a:off x="4421660" y="781564"/>
+            <a:off x="4421660" y="832364"/>
             <a:ext cx="3348681" cy="4708981"/>
           </a:xfrm>
           <a:prstGeom prst="rect">
@@ -39716,8 +39701,8 @@
         </p:nvSpPr>
         <p:spPr>
           <a:xfrm>
-            <a:off x="5295901" y="1816100"/>
-            <a:ext cx="1515487" cy="2286000"/>
+            <a:off x="5295901" y="1866900"/>
+            <a:ext cx="1515487" cy="2368022"/>
           </a:xfrm>
           <a:custGeom>
             <a:avLst/>
@@ -39926,6 +39911,30 @@
               <a:gd name="connsiteY4" fmla="*/ 1841500 h 2286000"/>
               <a:gd name="connsiteX5" fmla="*/ 736600 w 1515487"/>
               <a:gd name="connsiteY5" fmla="*/ 2286000 h 2286000"/>
+              <a:gd name="connsiteX0" fmla="*/ 1511300 w 1515487"/>
+              <a:gd name="connsiteY0" fmla="*/ 0 h 2348144"/>
+              <a:gd name="connsiteX1" fmla="*/ 0 w 1515487"/>
+              <a:gd name="connsiteY1" fmla="*/ 546100 h 2348144"/>
+              <a:gd name="connsiteX2" fmla="*/ 1511300 w 1515487"/>
+              <a:gd name="connsiteY2" fmla="*/ 889000 h 2348144"/>
+              <a:gd name="connsiteX3" fmla="*/ 482600 w 1515487"/>
+              <a:gd name="connsiteY3" fmla="*/ 1447800 h 2348144"/>
+              <a:gd name="connsiteX4" fmla="*/ 1485900 w 1515487"/>
+              <a:gd name="connsiteY4" fmla="*/ 1841500 h 2348144"/>
+              <a:gd name="connsiteX5" fmla="*/ 647823 w 1515487"/>
+              <a:gd name="connsiteY5" fmla="*/ 2348144 h 2348144"/>
+              <a:gd name="connsiteX0" fmla="*/ 1511300 w 1515487"/>
+              <a:gd name="connsiteY0" fmla="*/ 0 h 2368022"/>
+              <a:gd name="connsiteX1" fmla="*/ 0 w 1515487"/>
+              <a:gd name="connsiteY1" fmla="*/ 546100 h 2368022"/>
+              <a:gd name="connsiteX2" fmla="*/ 1511300 w 1515487"/>
+              <a:gd name="connsiteY2" fmla="*/ 889000 h 2368022"/>
+              <a:gd name="connsiteX3" fmla="*/ 482600 w 1515487"/>
+              <a:gd name="connsiteY3" fmla="*/ 1447800 h 2368022"/>
+              <a:gd name="connsiteX4" fmla="*/ 1485900 w 1515487"/>
+              <a:gd name="connsiteY4" fmla="*/ 1841500 h 2368022"/>
+              <a:gd name="connsiteX5" fmla="*/ 538493 w 1515487"/>
+              <a:gd name="connsiteY5" fmla="*/ 2368022 h 2368022"/>
             </a:gdLst>
             <a:ahLst/>
             <a:cxnLst>
@@ -39950,7 +39959,7 @@
             </a:cxnLst>
             <a:rect l="l" t="t" r="r" b="b"/>
             <a:pathLst>
-              <a:path w="1515487" h="2286000">
+              <a:path w="1515487" h="2368022">
                 <a:moveTo>
                   <a:pt x="1511300" y="0"/>
                 </a:moveTo>
@@ -39976,8 +39985,8 @@
                 </a:cubicBezTo>
                 <a:cubicBezTo>
                   <a:pt x="1528233" y="1981200"/>
-                  <a:pt x="1083733" y="2156883"/>
-                  <a:pt x="736600" y="2286000"/>
+                  <a:pt x="885626" y="2238905"/>
+                  <a:pt x="538493" y="2368022"/>
                 </a:cubicBezTo>
               </a:path>
             </a:pathLst>
@@ -39996,7 +40005,7 @@
                     <a:alpha val="0"/>
                   </a:srgbClr>
                 </a:gs>
-                <a:gs pos="40000">
+                <a:gs pos="37000">
                   <a:srgbClr val="43E6F7"/>
                 </a:gs>
                 <a:gs pos="0">
@@ -40004,12 +40013,12 @@
                     <a:alpha val="0"/>
                   </a:srgbClr>
                 </a:gs>
-                <a:gs pos="30000">
+                <a:gs pos="29000">
                   <a:srgbClr val="19EDFB">
                     <a:alpha val="0"/>
                   </a:srgbClr>
                 </a:gs>
-                <a:gs pos="12000">
+                <a:gs pos="15000">
                   <a:srgbClr val="03F1FD"/>
                 </a:gs>
                 <a:gs pos="100000">
@@ -40017,10 +40026,10 @@
                     <a:alpha val="0"/>
                   </a:srgbClr>
                 </a:gs>
-                <a:gs pos="83000">
+                <a:gs pos="76000">
                   <a:srgbClr val="19EDFB"/>
                 </a:gs>
-                <a:gs pos="76000">
+                <a:gs pos="75000">
                   <a:srgbClr val="03F1FD">
                     <a:alpha val="0"/>
                   </a:srgbClr>
@@ -40055,6 +40064,3040 @@
           </a:p>
         </p:txBody>
       </p:sp>
+      <p:grpSp>
+        <p:nvGrpSpPr>
+          <p:cNvPr id="10" name="组合 9"/>
+          <p:cNvGrpSpPr/>
+          <p:nvPr userDrawn="1"/>
+        </p:nvGrpSpPr>
+        <p:grpSpPr>
+          <a:xfrm>
+            <a:off x="5293099" y="2827044"/>
+            <a:ext cx="1009692" cy="1702691"/>
+            <a:chOff x="5290494" y="2747553"/>
+            <a:chExt cx="1009692" cy="1702691"/>
+          </a:xfrm>
+        </p:grpSpPr>
+        <p:sp>
+          <p:nvSpPr>
+            <p:cNvPr id="2" name="椭圆 1"/>
+            <p:cNvSpPr/>
+            <p:nvPr userDrawn="1"/>
+          </p:nvSpPr>
+          <p:spPr>
+            <a:xfrm rot="17489773" flipH="1">
+              <a:off x="5633241" y="3019115"/>
+              <a:ext cx="169993" cy="100722"/>
+            </a:xfrm>
+            <a:prstGeom prst="ellipse">
+              <a:avLst/>
+            </a:prstGeom>
+            <a:solidFill>
+              <a:srgbClr val="BB0F56"/>
+            </a:solidFill>
+            <a:ln>
+              <a:noFill/>
+            </a:ln>
+          </p:spPr>
+          <p:style>
+            <a:lnRef idx="2">
+              <a:schemeClr val="accent1">
+                <a:shade val="50000"/>
+              </a:schemeClr>
+            </a:lnRef>
+            <a:fillRef idx="1">
+              <a:schemeClr val="accent1"/>
+            </a:fillRef>
+            <a:effectRef idx="0">
+              <a:schemeClr val="accent1"/>
+            </a:effectRef>
+            <a:fontRef idx="minor">
+              <a:schemeClr val="lt1"/>
+            </a:fontRef>
+          </p:style>
+          <p:txBody>
+            <a:bodyPr rtlCol="0" anchor="ctr"/>
+            <a:lstStyle/>
+            <a:p>
+              <a:pPr algn="ctr"/>
+              <a:endParaRPr lang="zh-CN" altLang="en-US"/>
+            </a:p>
+          </p:txBody>
+        </p:sp>
+        <p:sp>
+          <p:nvSpPr>
+            <p:cNvPr id="163" name="椭圆 162"/>
+            <p:cNvSpPr/>
+            <p:nvPr userDrawn="1"/>
+          </p:nvSpPr>
+          <p:spPr>
+            <a:xfrm rot="17489773" flipH="1">
+              <a:off x="5753989" y="3483653"/>
+              <a:ext cx="50880" cy="45719"/>
+            </a:xfrm>
+            <a:prstGeom prst="ellipse">
+              <a:avLst/>
+            </a:prstGeom>
+            <a:solidFill>
+              <a:srgbClr val="BB0F56"/>
+            </a:solidFill>
+            <a:ln>
+              <a:noFill/>
+            </a:ln>
+          </p:spPr>
+          <p:style>
+            <a:lnRef idx="2">
+              <a:schemeClr val="accent1">
+                <a:shade val="50000"/>
+              </a:schemeClr>
+            </a:lnRef>
+            <a:fillRef idx="1">
+              <a:schemeClr val="accent1"/>
+            </a:fillRef>
+            <a:effectRef idx="0">
+              <a:schemeClr val="accent1"/>
+            </a:effectRef>
+            <a:fontRef idx="minor">
+              <a:schemeClr val="lt1"/>
+            </a:fontRef>
+          </p:style>
+          <p:txBody>
+            <a:bodyPr rtlCol="0" anchor="ctr"/>
+            <a:lstStyle/>
+            <a:p>
+              <a:pPr algn="ctr"/>
+              <a:endParaRPr lang="zh-CN" altLang="en-US"/>
+            </a:p>
+          </p:txBody>
+        </p:sp>
+        <p:sp>
+          <p:nvSpPr>
+            <p:cNvPr id="164" name="椭圆 163"/>
+            <p:cNvSpPr/>
+            <p:nvPr userDrawn="1"/>
+          </p:nvSpPr>
+          <p:spPr>
+            <a:xfrm rot="17489773" flipH="1">
+              <a:off x="5502821" y="3309498"/>
+              <a:ext cx="169993" cy="45719"/>
+            </a:xfrm>
+            <a:prstGeom prst="ellipse">
+              <a:avLst/>
+            </a:prstGeom>
+            <a:solidFill>
+              <a:srgbClr val="BB0F56"/>
+            </a:solidFill>
+            <a:ln>
+              <a:noFill/>
+            </a:ln>
+          </p:spPr>
+          <p:style>
+            <a:lnRef idx="2">
+              <a:schemeClr val="accent1">
+                <a:shade val="50000"/>
+              </a:schemeClr>
+            </a:lnRef>
+            <a:fillRef idx="1">
+              <a:schemeClr val="accent1"/>
+            </a:fillRef>
+            <a:effectRef idx="0">
+              <a:schemeClr val="accent1"/>
+            </a:effectRef>
+            <a:fontRef idx="minor">
+              <a:schemeClr val="lt1"/>
+            </a:fontRef>
+          </p:style>
+          <p:txBody>
+            <a:bodyPr rtlCol="0" anchor="ctr"/>
+            <a:lstStyle/>
+            <a:p>
+              <a:pPr algn="ctr"/>
+              <a:endParaRPr lang="zh-CN" altLang="en-US"/>
+            </a:p>
+          </p:txBody>
+        </p:sp>
+        <p:sp>
+          <p:nvSpPr>
+            <p:cNvPr id="165" name="椭圆 164"/>
+            <p:cNvSpPr/>
+            <p:nvPr userDrawn="1"/>
+          </p:nvSpPr>
+          <p:spPr>
+            <a:xfrm rot="17489773" flipH="1">
+              <a:off x="5826739" y="3609301"/>
+              <a:ext cx="117670" cy="45719"/>
+            </a:xfrm>
+            <a:prstGeom prst="ellipse">
+              <a:avLst/>
+            </a:prstGeom>
+            <a:solidFill>
+              <a:srgbClr val="BB0F56"/>
+            </a:solidFill>
+            <a:ln>
+              <a:noFill/>
+            </a:ln>
+          </p:spPr>
+          <p:style>
+            <a:lnRef idx="2">
+              <a:schemeClr val="accent1">
+                <a:shade val="50000"/>
+              </a:schemeClr>
+            </a:lnRef>
+            <a:fillRef idx="1">
+              <a:schemeClr val="accent1"/>
+            </a:fillRef>
+            <a:effectRef idx="0">
+              <a:schemeClr val="accent1"/>
+            </a:effectRef>
+            <a:fontRef idx="minor">
+              <a:schemeClr val="lt1"/>
+            </a:fontRef>
+          </p:style>
+          <p:txBody>
+            <a:bodyPr rtlCol="0" anchor="ctr"/>
+            <a:lstStyle/>
+            <a:p>
+              <a:pPr algn="ctr"/>
+              <a:endParaRPr lang="zh-CN" altLang="en-US"/>
+            </a:p>
+          </p:txBody>
+        </p:sp>
+        <p:sp>
+          <p:nvSpPr>
+            <p:cNvPr id="166" name="椭圆 165"/>
+            <p:cNvSpPr/>
+            <p:nvPr userDrawn="1"/>
+          </p:nvSpPr>
+          <p:spPr>
+            <a:xfrm rot="17489773" flipH="1">
+              <a:off x="5626840" y="3396833"/>
+              <a:ext cx="77473" cy="138566"/>
+            </a:xfrm>
+            <a:prstGeom prst="ellipse">
+              <a:avLst/>
+            </a:prstGeom>
+            <a:solidFill>
+              <a:srgbClr val="BB0F56"/>
+            </a:solidFill>
+            <a:ln>
+              <a:noFill/>
+            </a:ln>
+          </p:spPr>
+          <p:style>
+            <a:lnRef idx="2">
+              <a:schemeClr val="accent1">
+                <a:shade val="50000"/>
+              </a:schemeClr>
+            </a:lnRef>
+            <a:fillRef idx="1">
+              <a:schemeClr val="accent1"/>
+            </a:fillRef>
+            <a:effectRef idx="0">
+              <a:schemeClr val="accent1"/>
+            </a:effectRef>
+            <a:fontRef idx="minor">
+              <a:schemeClr val="lt1"/>
+            </a:fontRef>
+          </p:style>
+          <p:txBody>
+            <a:bodyPr rtlCol="0" anchor="ctr"/>
+            <a:lstStyle/>
+            <a:p>
+              <a:pPr algn="ctr"/>
+              <a:endParaRPr lang="zh-CN" altLang="en-US"/>
+            </a:p>
+          </p:txBody>
+        </p:sp>
+        <p:sp>
+          <p:nvSpPr>
+            <p:cNvPr id="167" name="椭圆 166"/>
+            <p:cNvSpPr/>
+            <p:nvPr userDrawn="1"/>
+          </p:nvSpPr>
+          <p:spPr>
+            <a:xfrm rot="17489773" flipH="1">
+              <a:off x="5600577" y="3501731"/>
+              <a:ext cx="239978" cy="243290"/>
+            </a:xfrm>
+            <a:prstGeom prst="ellipse">
+              <a:avLst/>
+            </a:prstGeom>
+            <a:solidFill>
+              <a:srgbClr val="BB0F56"/>
+            </a:solidFill>
+            <a:ln>
+              <a:noFill/>
+            </a:ln>
+            <a:effectLst>
+              <a:softEdge rad="88900"/>
+            </a:effectLst>
+          </p:spPr>
+          <p:style>
+            <a:lnRef idx="2">
+              <a:schemeClr val="accent1">
+                <a:shade val="50000"/>
+              </a:schemeClr>
+            </a:lnRef>
+            <a:fillRef idx="1">
+              <a:schemeClr val="accent1"/>
+            </a:fillRef>
+            <a:effectRef idx="0">
+              <a:schemeClr val="accent1"/>
+            </a:effectRef>
+            <a:fontRef idx="minor">
+              <a:schemeClr val="lt1"/>
+            </a:fontRef>
+          </p:style>
+          <p:txBody>
+            <a:bodyPr rtlCol="0" anchor="ctr"/>
+            <a:lstStyle/>
+            <a:p>
+              <a:pPr algn="ctr"/>
+              <a:endParaRPr lang="zh-CN" altLang="en-US"/>
+            </a:p>
+          </p:txBody>
+        </p:sp>
+        <p:sp>
+          <p:nvSpPr>
+            <p:cNvPr id="168" name="椭圆 167"/>
+            <p:cNvSpPr/>
+            <p:nvPr userDrawn="1"/>
+          </p:nvSpPr>
+          <p:spPr>
+            <a:xfrm rot="17489773" flipV="1">
+              <a:off x="5776943" y="3769369"/>
+              <a:ext cx="59931" cy="101223"/>
+            </a:xfrm>
+            <a:prstGeom prst="ellipse">
+              <a:avLst/>
+            </a:prstGeom>
+            <a:solidFill>
+              <a:srgbClr val="BB0F56"/>
+            </a:solidFill>
+            <a:ln>
+              <a:noFill/>
+            </a:ln>
+          </p:spPr>
+          <p:style>
+            <a:lnRef idx="2">
+              <a:schemeClr val="accent1">
+                <a:shade val="50000"/>
+              </a:schemeClr>
+            </a:lnRef>
+            <a:fillRef idx="1">
+              <a:schemeClr val="accent1"/>
+            </a:fillRef>
+            <a:effectRef idx="0">
+              <a:schemeClr val="accent1"/>
+            </a:effectRef>
+            <a:fontRef idx="minor">
+              <a:schemeClr val="lt1"/>
+            </a:fontRef>
+          </p:style>
+          <p:txBody>
+            <a:bodyPr rtlCol="0" anchor="ctr"/>
+            <a:lstStyle/>
+            <a:p>
+              <a:pPr algn="ctr"/>
+              <a:endParaRPr lang="zh-CN" altLang="en-US"/>
+            </a:p>
+          </p:txBody>
+        </p:sp>
+        <p:sp>
+          <p:nvSpPr>
+            <p:cNvPr id="171" name="椭圆 170"/>
+            <p:cNvSpPr/>
+            <p:nvPr userDrawn="1"/>
+          </p:nvSpPr>
+          <p:spPr>
+            <a:xfrm rot="14396707" flipH="1">
+              <a:off x="5255858" y="3506368"/>
+              <a:ext cx="169993" cy="100722"/>
+            </a:xfrm>
+            <a:prstGeom prst="ellipse">
+              <a:avLst/>
+            </a:prstGeom>
+            <a:solidFill>
+              <a:srgbClr val="BB0F56"/>
+            </a:solidFill>
+            <a:ln>
+              <a:noFill/>
+            </a:ln>
+          </p:spPr>
+          <p:style>
+            <a:lnRef idx="2">
+              <a:schemeClr val="accent1">
+                <a:shade val="50000"/>
+              </a:schemeClr>
+            </a:lnRef>
+            <a:fillRef idx="1">
+              <a:schemeClr val="accent1"/>
+            </a:fillRef>
+            <a:effectRef idx="0">
+              <a:schemeClr val="accent1"/>
+            </a:effectRef>
+            <a:fontRef idx="minor">
+              <a:schemeClr val="lt1"/>
+            </a:fontRef>
+          </p:style>
+          <p:txBody>
+            <a:bodyPr rtlCol="0" anchor="ctr"/>
+            <a:lstStyle/>
+            <a:p>
+              <a:pPr algn="ctr"/>
+              <a:endParaRPr lang="zh-CN" altLang="en-US"/>
+            </a:p>
+          </p:txBody>
+        </p:sp>
+        <p:sp>
+          <p:nvSpPr>
+            <p:cNvPr id="172" name="椭圆 171"/>
+            <p:cNvSpPr/>
+            <p:nvPr userDrawn="1"/>
+          </p:nvSpPr>
+          <p:spPr>
+            <a:xfrm rot="14396707" flipH="1">
+              <a:off x="5582266" y="2907728"/>
+              <a:ext cx="50880" cy="45719"/>
+            </a:xfrm>
+            <a:prstGeom prst="ellipse">
+              <a:avLst/>
+            </a:prstGeom>
+            <a:solidFill>
+              <a:srgbClr val="BB0F56"/>
+            </a:solidFill>
+            <a:ln>
+              <a:noFill/>
+            </a:ln>
+          </p:spPr>
+          <p:style>
+            <a:lnRef idx="2">
+              <a:schemeClr val="accent1">
+                <a:shade val="50000"/>
+              </a:schemeClr>
+            </a:lnRef>
+            <a:fillRef idx="1">
+              <a:schemeClr val="accent1"/>
+            </a:fillRef>
+            <a:effectRef idx="0">
+              <a:schemeClr val="accent1"/>
+            </a:effectRef>
+            <a:fontRef idx="minor">
+              <a:schemeClr val="lt1"/>
+            </a:fontRef>
+          </p:style>
+          <p:txBody>
+            <a:bodyPr rtlCol="0" anchor="ctr"/>
+            <a:lstStyle/>
+            <a:p>
+              <a:pPr algn="ctr"/>
+              <a:endParaRPr lang="zh-CN" altLang="en-US"/>
+            </a:p>
+          </p:txBody>
+        </p:sp>
+        <p:sp>
+          <p:nvSpPr>
+            <p:cNvPr id="173" name="椭圆 172"/>
+            <p:cNvSpPr/>
+            <p:nvPr userDrawn="1"/>
+          </p:nvSpPr>
+          <p:spPr>
+            <a:xfrm rot="707082" flipH="1">
+              <a:off x="5307858" y="3855546"/>
+              <a:ext cx="169993" cy="45719"/>
+            </a:xfrm>
+            <a:prstGeom prst="ellipse">
+              <a:avLst/>
+            </a:prstGeom>
+            <a:solidFill>
+              <a:srgbClr val="BB0F56"/>
+            </a:solidFill>
+            <a:ln>
+              <a:noFill/>
+            </a:ln>
+          </p:spPr>
+          <p:style>
+            <a:lnRef idx="2">
+              <a:schemeClr val="accent1">
+                <a:shade val="50000"/>
+              </a:schemeClr>
+            </a:lnRef>
+            <a:fillRef idx="1">
+              <a:schemeClr val="accent1"/>
+            </a:fillRef>
+            <a:effectRef idx="0">
+              <a:schemeClr val="accent1"/>
+            </a:effectRef>
+            <a:fontRef idx="minor">
+              <a:schemeClr val="lt1"/>
+            </a:fontRef>
+          </p:style>
+          <p:txBody>
+            <a:bodyPr rtlCol="0" anchor="ctr"/>
+            <a:lstStyle/>
+            <a:p>
+              <a:pPr algn="ctr"/>
+              <a:endParaRPr lang="zh-CN" altLang="en-US"/>
+            </a:p>
+          </p:txBody>
+        </p:sp>
+        <p:sp>
+          <p:nvSpPr>
+            <p:cNvPr id="174" name="椭圆 173"/>
+            <p:cNvSpPr/>
+            <p:nvPr userDrawn="1"/>
+          </p:nvSpPr>
+          <p:spPr>
+            <a:xfrm rot="14396707" flipH="1">
+              <a:off x="5606755" y="3857226"/>
+              <a:ext cx="117670" cy="45719"/>
+            </a:xfrm>
+            <a:prstGeom prst="ellipse">
+              <a:avLst/>
+            </a:prstGeom>
+            <a:solidFill>
+              <a:srgbClr val="BB0F56"/>
+            </a:solidFill>
+            <a:ln>
+              <a:noFill/>
+            </a:ln>
+          </p:spPr>
+          <p:style>
+            <a:lnRef idx="2">
+              <a:schemeClr val="accent1">
+                <a:shade val="50000"/>
+              </a:schemeClr>
+            </a:lnRef>
+            <a:fillRef idx="1">
+              <a:schemeClr val="accent1"/>
+            </a:fillRef>
+            <a:effectRef idx="0">
+              <a:schemeClr val="accent1"/>
+            </a:effectRef>
+            <a:fontRef idx="minor">
+              <a:schemeClr val="lt1"/>
+            </a:fontRef>
+          </p:style>
+          <p:txBody>
+            <a:bodyPr rtlCol="0" anchor="ctr"/>
+            <a:lstStyle/>
+            <a:p>
+              <a:pPr algn="ctr"/>
+              <a:endParaRPr lang="zh-CN" altLang="en-US"/>
+            </a:p>
+          </p:txBody>
+        </p:sp>
+        <p:sp>
+          <p:nvSpPr>
+            <p:cNvPr id="175" name="椭圆 174"/>
+            <p:cNvSpPr/>
+            <p:nvPr userDrawn="1"/>
+          </p:nvSpPr>
+          <p:spPr>
+            <a:xfrm rot="14396707" flipH="1">
+              <a:off x="5453404" y="3050247"/>
+              <a:ext cx="77473" cy="138566"/>
+            </a:xfrm>
+            <a:prstGeom prst="ellipse">
+              <a:avLst/>
+            </a:prstGeom>
+            <a:solidFill>
+              <a:srgbClr val="BB0F56"/>
+            </a:solidFill>
+            <a:ln>
+              <a:noFill/>
+            </a:ln>
+          </p:spPr>
+          <p:style>
+            <a:lnRef idx="2">
+              <a:schemeClr val="accent1">
+                <a:shade val="50000"/>
+              </a:schemeClr>
+            </a:lnRef>
+            <a:fillRef idx="1">
+              <a:schemeClr val="accent1"/>
+            </a:fillRef>
+            <a:effectRef idx="0">
+              <a:schemeClr val="accent1"/>
+            </a:effectRef>
+            <a:fontRef idx="minor">
+              <a:schemeClr val="lt1"/>
+            </a:fontRef>
+          </p:style>
+          <p:txBody>
+            <a:bodyPr rtlCol="0" anchor="ctr"/>
+            <a:lstStyle/>
+            <a:p>
+              <a:pPr algn="ctr"/>
+              <a:endParaRPr lang="zh-CN" altLang="en-US"/>
+            </a:p>
+          </p:txBody>
+        </p:sp>
+        <p:sp>
+          <p:nvSpPr>
+            <p:cNvPr id="176" name="椭圆 175"/>
+            <p:cNvSpPr/>
+            <p:nvPr userDrawn="1"/>
+          </p:nvSpPr>
+          <p:spPr>
+            <a:xfrm rot="14396707" flipH="1">
+              <a:off x="5533140" y="2745897"/>
+              <a:ext cx="239978" cy="243290"/>
+            </a:xfrm>
+            <a:prstGeom prst="ellipse">
+              <a:avLst/>
+            </a:prstGeom>
+            <a:solidFill>
+              <a:srgbClr val="BB0F56"/>
+            </a:solidFill>
+            <a:ln>
+              <a:noFill/>
+            </a:ln>
+            <a:effectLst>
+              <a:softEdge rad="88900"/>
+            </a:effectLst>
+          </p:spPr>
+          <p:style>
+            <a:lnRef idx="2">
+              <a:schemeClr val="accent1">
+                <a:shade val="50000"/>
+              </a:schemeClr>
+            </a:lnRef>
+            <a:fillRef idx="1">
+              <a:schemeClr val="accent1"/>
+            </a:fillRef>
+            <a:effectRef idx="0">
+              <a:schemeClr val="accent1"/>
+            </a:effectRef>
+            <a:fontRef idx="minor">
+              <a:schemeClr val="lt1"/>
+            </a:fontRef>
+          </p:style>
+          <p:txBody>
+            <a:bodyPr rtlCol="0" anchor="ctr"/>
+            <a:lstStyle/>
+            <a:p>
+              <a:pPr algn="ctr"/>
+              <a:endParaRPr lang="zh-CN" altLang="en-US"/>
+            </a:p>
+          </p:txBody>
+        </p:sp>
+        <p:sp>
+          <p:nvSpPr>
+            <p:cNvPr id="177" name="椭圆 176"/>
+            <p:cNvSpPr/>
+            <p:nvPr userDrawn="1"/>
+          </p:nvSpPr>
+          <p:spPr>
+            <a:xfrm rot="14396707" flipV="1">
+              <a:off x="5796832" y="3947941"/>
+              <a:ext cx="59931" cy="101223"/>
+            </a:xfrm>
+            <a:prstGeom prst="ellipse">
+              <a:avLst/>
+            </a:prstGeom>
+            <a:solidFill>
+              <a:srgbClr val="BB0F56"/>
+            </a:solidFill>
+            <a:ln>
+              <a:noFill/>
+            </a:ln>
+          </p:spPr>
+          <p:style>
+            <a:lnRef idx="2">
+              <a:schemeClr val="accent1">
+                <a:shade val="50000"/>
+              </a:schemeClr>
+            </a:lnRef>
+            <a:fillRef idx="1">
+              <a:schemeClr val="accent1"/>
+            </a:fillRef>
+            <a:effectRef idx="0">
+              <a:schemeClr val="accent1"/>
+            </a:effectRef>
+            <a:fontRef idx="minor">
+              <a:schemeClr val="lt1"/>
+            </a:fontRef>
+          </p:style>
+          <p:txBody>
+            <a:bodyPr rtlCol="0" anchor="ctr"/>
+            <a:lstStyle/>
+            <a:p>
+              <a:pPr algn="ctr"/>
+              <a:endParaRPr lang="zh-CN" altLang="en-US"/>
+            </a:p>
+          </p:txBody>
+        </p:sp>
+        <p:sp>
+          <p:nvSpPr>
+            <p:cNvPr id="179" name="椭圆 178"/>
+            <p:cNvSpPr/>
+            <p:nvPr userDrawn="1"/>
+          </p:nvSpPr>
+          <p:spPr>
+            <a:xfrm rot="18784759" flipH="1">
+              <a:off x="5923420" y="3856340"/>
+              <a:ext cx="169993" cy="100722"/>
+            </a:xfrm>
+            <a:prstGeom prst="ellipse">
+              <a:avLst/>
+            </a:prstGeom>
+            <a:solidFill>
+              <a:srgbClr val="BB0F56"/>
+            </a:solidFill>
+            <a:ln>
+              <a:noFill/>
+            </a:ln>
+          </p:spPr>
+          <p:style>
+            <a:lnRef idx="2">
+              <a:schemeClr val="accent1">
+                <a:shade val="50000"/>
+              </a:schemeClr>
+            </a:lnRef>
+            <a:fillRef idx="1">
+              <a:schemeClr val="accent1"/>
+            </a:fillRef>
+            <a:effectRef idx="0">
+              <a:schemeClr val="accent1"/>
+            </a:effectRef>
+            <a:fontRef idx="minor">
+              <a:schemeClr val="lt1"/>
+            </a:fontRef>
+          </p:style>
+          <p:txBody>
+            <a:bodyPr rtlCol="0" anchor="ctr"/>
+            <a:lstStyle/>
+            <a:p>
+              <a:pPr algn="ctr"/>
+              <a:endParaRPr lang="zh-CN" altLang="en-US"/>
+            </a:p>
+          </p:txBody>
+        </p:sp>
+        <p:sp>
+          <p:nvSpPr>
+            <p:cNvPr id="180" name="椭圆 179"/>
+            <p:cNvSpPr/>
+            <p:nvPr userDrawn="1"/>
+          </p:nvSpPr>
+          <p:spPr>
+            <a:xfrm rot="18784759" flipH="1">
+              <a:off x="5905556" y="4095822"/>
+              <a:ext cx="50880" cy="45719"/>
+            </a:xfrm>
+            <a:prstGeom prst="ellipse">
+              <a:avLst/>
+            </a:prstGeom>
+            <a:solidFill>
+              <a:srgbClr val="BB0F56"/>
+            </a:solidFill>
+            <a:ln>
+              <a:noFill/>
+            </a:ln>
+          </p:spPr>
+          <p:style>
+            <a:lnRef idx="2">
+              <a:schemeClr val="accent1">
+                <a:shade val="50000"/>
+              </a:schemeClr>
+            </a:lnRef>
+            <a:fillRef idx="1">
+              <a:schemeClr val="accent1"/>
+            </a:fillRef>
+            <a:effectRef idx="0">
+              <a:schemeClr val="accent1"/>
+            </a:effectRef>
+            <a:fontRef idx="minor">
+              <a:schemeClr val="lt1"/>
+            </a:fontRef>
+          </p:style>
+          <p:txBody>
+            <a:bodyPr rtlCol="0" anchor="ctr"/>
+            <a:lstStyle/>
+            <a:p>
+              <a:pPr algn="ctr"/>
+              <a:endParaRPr lang="zh-CN" altLang="en-US"/>
+            </a:p>
+          </p:txBody>
+        </p:sp>
+        <p:sp>
+          <p:nvSpPr>
+            <p:cNvPr id="181" name="椭圆 180"/>
+            <p:cNvSpPr/>
+            <p:nvPr userDrawn="1"/>
+          </p:nvSpPr>
+          <p:spPr>
+            <a:xfrm rot="18784759" flipH="1">
+              <a:off x="5603138" y="4110728"/>
+              <a:ext cx="169993" cy="45719"/>
+            </a:xfrm>
+            <a:prstGeom prst="ellipse">
+              <a:avLst/>
+            </a:prstGeom>
+            <a:solidFill>
+              <a:srgbClr val="BB0F56"/>
+            </a:solidFill>
+            <a:ln>
+              <a:noFill/>
+            </a:ln>
+          </p:spPr>
+          <p:style>
+            <a:lnRef idx="2">
+              <a:schemeClr val="accent1">
+                <a:shade val="50000"/>
+              </a:schemeClr>
+            </a:lnRef>
+            <a:fillRef idx="1">
+              <a:schemeClr val="accent1"/>
+            </a:fillRef>
+            <a:effectRef idx="0">
+              <a:schemeClr val="accent1"/>
+            </a:effectRef>
+            <a:fontRef idx="minor">
+              <a:schemeClr val="lt1"/>
+            </a:fontRef>
+          </p:style>
+          <p:txBody>
+            <a:bodyPr rtlCol="0" anchor="ctr"/>
+            <a:lstStyle/>
+            <a:p>
+              <a:pPr algn="ctr"/>
+              <a:endParaRPr lang="zh-CN" altLang="en-US"/>
+            </a:p>
+          </p:txBody>
+        </p:sp>
+        <p:sp>
+          <p:nvSpPr>
+            <p:cNvPr id="182" name="椭圆 181"/>
+            <p:cNvSpPr/>
+            <p:nvPr userDrawn="1"/>
+          </p:nvSpPr>
+          <p:spPr>
+            <a:xfrm rot="18784759" flipH="1">
+              <a:off x="5924644" y="4251706"/>
+              <a:ext cx="117670" cy="45719"/>
+            </a:xfrm>
+            <a:prstGeom prst="ellipse">
+              <a:avLst/>
+            </a:prstGeom>
+            <a:solidFill>
+              <a:srgbClr val="BB0F56"/>
+            </a:solidFill>
+            <a:ln>
+              <a:noFill/>
+            </a:ln>
+          </p:spPr>
+          <p:style>
+            <a:lnRef idx="2">
+              <a:schemeClr val="accent1">
+                <a:shade val="50000"/>
+              </a:schemeClr>
+            </a:lnRef>
+            <a:fillRef idx="1">
+              <a:schemeClr val="accent1"/>
+            </a:fillRef>
+            <a:effectRef idx="0">
+              <a:schemeClr val="accent1"/>
+            </a:effectRef>
+            <a:fontRef idx="minor">
+              <a:schemeClr val="lt1"/>
+            </a:fontRef>
+          </p:style>
+          <p:txBody>
+            <a:bodyPr rtlCol="0" anchor="ctr"/>
+            <a:lstStyle/>
+            <a:p>
+              <a:pPr algn="ctr"/>
+              <a:endParaRPr lang="zh-CN" altLang="en-US"/>
+            </a:p>
+          </p:txBody>
+        </p:sp>
+        <p:sp>
+          <p:nvSpPr>
+            <p:cNvPr id="183" name="椭圆 182"/>
+            <p:cNvSpPr/>
+            <p:nvPr userDrawn="1"/>
+          </p:nvSpPr>
+          <p:spPr>
+            <a:xfrm rot="18784759" flipH="1">
+              <a:off x="5561895" y="4273919"/>
+              <a:ext cx="77473" cy="138566"/>
+            </a:xfrm>
+            <a:prstGeom prst="ellipse">
+              <a:avLst/>
+            </a:prstGeom>
+            <a:solidFill>
+              <a:srgbClr val="BB0F56"/>
+            </a:solidFill>
+            <a:ln>
+              <a:noFill/>
+            </a:ln>
+          </p:spPr>
+          <p:style>
+            <a:lnRef idx="2">
+              <a:schemeClr val="accent1">
+                <a:shade val="50000"/>
+              </a:schemeClr>
+            </a:lnRef>
+            <a:fillRef idx="1">
+              <a:schemeClr val="accent1"/>
+            </a:fillRef>
+            <a:effectRef idx="0">
+              <a:schemeClr val="accent1"/>
+            </a:effectRef>
+            <a:fontRef idx="minor">
+              <a:schemeClr val="lt1"/>
+            </a:fontRef>
+          </p:style>
+          <p:txBody>
+            <a:bodyPr rtlCol="0" anchor="ctr"/>
+            <a:lstStyle/>
+            <a:p>
+              <a:pPr algn="ctr"/>
+              <a:endParaRPr lang="zh-CN" altLang="en-US"/>
+            </a:p>
+          </p:txBody>
+        </p:sp>
+        <p:sp>
+          <p:nvSpPr>
+            <p:cNvPr id="184" name="椭圆 183"/>
+            <p:cNvSpPr/>
+            <p:nvPr userDrawn="1"/>
+          </p:nvSpPr>
+          <p:spPr>
+            <a:xfrm rot="18784759" flipH="1">
+              <a:off x="5684471" y="4183178"/>
+              <a:ext cx="239978" cy="243290"/>
+            </a:xfrm>
+            <a:prstGeom prst="ellipse">
+              <a:avLst/>
+            </a:prstGeom>
+            <a:solidFill>
+              <a:srgbClr val="BB0F56"/>
+            </a:solidFill>
+            <a:ln>
+              <a:noFill/>
+            </a:ln>
+            <a:effectLst>
+              <a:softEdge rad="88900"/>
+            </a:effectLst>
+          </p:spPr>
+          <p:style>
+            <a:lnRef idx="2">
+              <a:schemeClr val="accent1">
+                <a:shade val="50000"/>
+              </a:schemeClr>
+            </a:lnRef>
+            <a:fillRef idx="1">
+              <a:schemeClr val="accent1"/>
+            </a:fillRef>
+            <a:effectRef idx="0">
+              <a:schemeClr val="accent1"/>
+            </a:effectRef>
+            <a:fontRef idx="minor">
+              <a:schemeClr val="lt1"/>
+            </a:fontRef>
+          </p:style>
+          <p:txBody>
+            <a:bodyPr rtlCol="0" anchor="ctr"/>
+            <a:lstStyle/>
+            <a:p>
+              <a:pPr algn="ctr"/>
+              <a:endParaRPr lang="zh-CN" altLang="en-US"/>
+            </a:p>
+          </p:txBody>
+        </p:sp>
+        <p:sp>
+          <p:nvSpPr>
+            <p:cNvPr id="185" name="椭圆 184"/>
+            <p:cNvSpPr/>
+            <p:nvPr userDrawn="1"/>
+          </p:nvSpPr>
+          <p:spPr>
+            <a:xfrm rot="18784759" flipV="1">
+              <a:off x="5811274" y="4369667"/>
+              <a:ext cx="59931" cy="101223"/>
+            </a:xfrm>
+            <a:prstGeom prst="ellipse">
+              <a:avLst/>
+            </a:prstGeom>
+            <a:solidFill>
+              <a:srgbClr val="BB0F56"/>
+            </a:solidFill>
+            <a:ln>
+              <a:noFill/>
+            </a:ln>
+          </p:spPr>
+          <p:style>
+            <a:lnRef idx="2">
+              <a:schemeClr val="accent1">
+                <a:shade val="50000"/>
+              </a:schemeClr>
+            </a:lnRef>
+            <a:fillRef idx="1">
+              <a:schemeClr val="accent1"/>
+            </a:fillRef>
+            <a:effectRef idx="0">
+              <a:schemeClr val="accent1"/>
+            </a:effectRef>
+            <a:fontRef idx="minor">
+              <a:schemeClr val="lt1"/>
+            </a:fontRef>
+          </p:style>
+          <p:txBody>
+            <a:bodyPr rtlCol="0" anchor="ctr"/>
+            <a:lstStyle/>
+            <a:p>
+              <a:pPr algn="ctr"/>
+              <a:endParaRPr lang="zh-CN" altLang="en-US"/>
+            </a:p>
+          </p:txBody>
+        </p:sp>
+        <p:sp>
+          <p:nvSpPr>
+            <p:cNvPr id="186" name="椭圆 185"/>
+            <p:cNvSpPr/>
+            <p:nvPr userDrawn="1"/>
+          </p:nvSpPr>
+          <p:spPr>
+            <a:xfrm rot="14396707" flipH="1">
+              <a:off x="5508728" y="3983858"/>
+              <a:ext cx="75078" cy="45719"/>
+            </a:xfrm>
+            <a:prstGeom prst="ellipse">
+              <a:avLst/>
+            </a:prstGeom>
+            <a:solidFill>
+              <a:srgbClr val="BB0F56"/>
+            </a:solidFill>
+            <a:ln>
+              <a:noFill/>
+            </a:ln>
+          </p:spPr>
+          <p:style>
+            <a:lnRef idx="2">
+              <a:schemeClr val="accent1">
+                <a:shade val="50000"/>
+              </a:schemeClr>
+            </a:lnRef>
+            <a:fillRef idx="1">
+              <a:schemeClr val="accent1"/>
+            </a:fillRef>
+            <a:effectRef idx="0">
+              <a:schemeClr val="accent1"/>
+            </a:effectRef>
+            <a:fontRef idx="minor">
+              <a:schemeClr val="lt1"/>
+            </a:fontRef>
+          </p:style>
+          <p:txBody>
+            <a:bodyPr rtlCol="0" anchor="ctr"/>
+            <a:lstStyle/>
+            <a:p>
+              <a:pPr algn="ctr"/>
+              <a:endParaRPr lang="zh-CN" altLang="en-US"/>
+            </a:p>
+          </p:txBody>
+        </p:sp>
+        <p:sp>
+          <p:nvSpPr>
+            <p:cNvPr id="187" name="椭圆 186"/>
+            <p:cNvSpPr/>
+            <p:nvPr userDrawn="1"/>
+          </p:nvSpPr>
+          <p:spPr>
+            <a:xfrm rot="14396707" flipH="1" flipV="1">
+              <a:off x="5445929" y="4213706"/>
+              <a:ext cx="45719" cy="54699"/>
+            </a:xfrm>
+            <a:prstGeom prst="ellipse">
+              <a:avLst/>
+            </a:prstGeom>
+            <a:solidFill>
+              <a:srgbClr val="BB0F56"/>
+            </a:solidFill>
+            <a:ln>
+              <a:noFill/>
+            </a:ln>
+          </p:spPr>
+          <p:style>
+            <a:lnRef idx="2">
+              <a:schemeClr val="accent1">
+                <a:shade val="50000"/>
+              </a:schemeClr>
+            </a:lnRef>
+            <a:fillRef idx="1">
+              <a:schemeClr val="accent1"/>
+            </a:fillRef>
+            <a:effectRef idx="0">
+              <a:schemeClr val="accent1"/>
+            </a:effectRef>
+            <a:fontRef idx="minor">
+              <a:schemeClr val="lt1"/>
+            </a:fontRef>
+          </p:style>
+          <p:txBody>
+            <a:bodyPr rtlCol="0" anchor="ctr"/>
+            <a:lstStyle/>
+            <a:p>
+              <a:pPr algn="ctr"/>
+              <a:endParaRPr lang="zh-CN" altLang="en-US"/>
+            </a:p>
+          </p:txBody>
+        </p:sp>
+        <p:sp>
+          <p:nvSpPr>
+            <p:cNvPr id="188" name="椭圆 187"/>
+            <p:cNvSpPr/>
+            <p:nvPr userDrawn="1"/>
+          </p:nvSpPr>
+          <p:spPr>
+            <a:xfrm rot="18784759" flipV="1">
+              <a:off x="5498227" y="3681821"/>
+              <a:ext cx="59931" cy="101223"/>
+            </a:xfrm>
+            <a:prstGeom prst="ellipse">
+              <a:avLst/>
+            </a:prstGeom>
+            <a:solidFill>
+              <a:srgbClr val="BB0F56"/>
+            </a:solidFill>
+            <a:ln>
+              <a:noFill/>
+            </a:ln>
+          </p:spPr>
+          <p:style>
+            <a:lnRef idx="2">
+              <a:schemeClr val="accent1">
+                <a:shade val="50000"/>
+              </a:schemeClr>
+            </a:lnRef>
+            <a:fillRef idx="1">
+              <a:schemeClr val="accent1"/>
+            </a:fillRef>
+            <a:effectRef idx="0">
+              <a:schemeClr val="accent1"/>
+            </a:effectRef>
+            <a:fontRef idx="minor">
+              <a:schemeClr val="lt1"/>
+            </a:fontRef>
+          </p:style>
+          <p:txBody>
+            <a:bodyPr rtlCol="0" anchor="ctr"/>
+            <a:lstStyle/>
+            <a:p>
+              <a:pPr algn="ctr"/>
+              <a:endParaRPr lang="zh-CN" altLang="en-US"/>
+            </a:p>
+          </p:txBody>
+        </p:sp>
+        <p:sp>
+          <p:nvSpPr>
+            <p:cNvPr id="9" name="椭圆 8"/>
+            <p:cNvSpPr/>
+            <p:nvPr userDrawn="1"/>
+          </p:nvSpPr>
+          <p:spPr>
+            <a:xfrm>
+              <a:off x="6126429" y="4146899"/>
+              <a:ext cx="67981" cy="54695"/>
+            </a:xfrm>
+            <a:prstGeom prst="ellipse">
+              <a:avLst/>
+            </a:prstGeom>
+            <a:solidFill>
+              <a:srgbClr val="BB0F56"/>
+            </a:solidFill>
+            <a:ln>
+              <a:noFill/>
+            </a:ln>
+          </p:spPr>
+          <p:style>
+            <a:lnRef idx="2">
+              <a:schemeClr val="accent1">
+                <a:shade val="50000"/>
+              </a:schemeClr>
+            </a:lnRef>
+            <a:fillRef idx="1">
+              <a:schemeClr val="accent1"/>
+            </a:fillRef>
+            <a:effectRef idx="0">
+              <a:schemeClr val="accent1"/>
+            </a:effectRef>
+            <a:fontRef idx="minor">
+              <a:schemeClr val="lt1"/>
+            </a:fontRef>
+          </p:style>
+          <p:txBody>
+            <a:bodyPr rtlCol="0" anchor="ctr"/>
+            <a:lstStyle/>
+            <a:p>
+              <a:pPr algn="ctr"/>
+              <a:endParaRPr lang="zh-CN" altLang="en-US"/>
+            </a:p>
+          </p:txBody>
+        </p:sp>
+        <p:sp>
+          <p:nvSpPr>
+            <p:cNvPr id="245" name="椭圆 244"/>
+            <p:cNvSpPr/>
+            <p:nvPr userDrawn="1"/>
+          </p:nvSpPr>
+          <p:spPr>
+            <a:xfrm>
+              <a:off x="6139122" y="3990729"/>
+              <a:ext cx="67981" cy="54695"/>
+            </a:xfrm>
+            <a:prstGeom prst="ellipse">
+              <a:avLst/>
+            </a:prstGeom>
+            <a:solidFill>
+              <a:srgbClr val="BB0F56">
+                <a:alpha val="50000"/>
+              </a:srgbClr>
+            </a:solidFill>
+            <a:ln>
+              <a:noFill/>
+            </a:ln>
+            <a:effectLst>
+              <a:softEdge rad="12700"/>
+            </a:effectLst>
+          </p:spPr>
+          <p:style>
+            <a:lnRef idx="2">
+              <a:schemeClr val="accent1">
+                <a:shade val="50000"/>
+              </a:schemeClr>
+            </a:lnRef>
+            <a:fillRef idx="1">
+              <a:schemeClr val="accent1"/>
+            </a:fillRef>
+            <a:effectRef idx="0">
+              <a:schemeClr val="accent1"/>
+            </a:effectRef>
+            <a:fontRef idx="minor">
+              <a:schemeClr val="lt1"/>
+            </a:fontRef>
+          </p:style>
+          <p:txBody>
+            <a:bodyPr rtlCol="0" anchor="ctr"/>
+            <a:lstStyle/>
+            <a:p>
+              <a:pPr algn="ctr"/>
+              <a:endParaRPr lang="zh-CN" altLang="en-US"/>
+            </a:p>
+          </p:txBody>
+        </p:sp>
+        <p:sp>
+          <p:nvSpPr>
+            <p:cNvPr id="246" name="椭圆 245"/>
+            <p:cNvSpPr/>
+            <p:nvPr userDrawn="1"/>
+          </p:nvSpPr>
+          <p:spPr>
+            <a:xfrm>
+              <a:off x="6187379" y="3882528"/>
+              <a:ext cx="112807" cy="84337"/>
+            </a:xfrm>
+            <a:prstGeom prst="ellipse">
+              <a:avLst/>
+            </a:prstGeom>
+            <a:solidFill>
+              <a:srgbClr val="BB0F56">
+                <a:alpha val="50000"/>
+              </a:srgbClr>
+            </a:solidFill>
+            <a:ln>
+              <a:noFill/>
+            </a:ln>
+            <a:effectLst>
+              <a:softEdge rad="25400"/>
+            </a:effectLst>
+          </p:spPr>
+          <p:style>
+            <a:lnRef idx="2">
+              <a:schemeClr val="accent1">
+                <a:shade val="50000"/>
+              </a:schemeClr>
+            </a:lnRef>
+            <a:fillRef idx="1">
+              <a:schemeClr val="accent1"/>
+            </a:fillRef>
+            <a:effectRef idx="0">
+              <a:schemeClr val="accent1"/>
+            </a:effectRef>
+            <a:fontRef idx="minor">
+              <a:schemeClr val="lt1"/>
+            </a:fontRef>
+          </p:style>
+          <p:txBody>
+            <a:bodyPr rtlCol="0" anchor="ctr"/>
+            <a:lstStyle/>
+            <a:p>
+              <a:pPr algn="ctr"/>
+              <a:endParaRPr lang="zh-CN" altLang="en-US"/>
+            </a:p>
+          </p:txBody>
+        </p:sp>
+        <p:sp>
+          <p:nvSpPr>
+            <p:cNvPr id="247" name="椭圆 246"/>
+            <p:cNvSpPr/>
+            <p:nvPr userDrawn="1"/>
+          </p:nvSpPr>
+          <p:spPr>
+            <a:xfrm>
+              <a:off x="6139122" y="4092764"/>
+              <a:ext cx="45719" cy="45719"/>
+            </a:xfrm>
+            <a:prstGeom prst="ellipse">
+              <a:avLst/>
+            </a:prstGeom>
+            <a:solidFill>
+              <a:srgbClr val="BB0F56"/>
+            </a:solidFill>
+            <a:ln>
+              <a:noFill/>
+            </a:ln>
+            <a:effectLst>
+              <a:softEdge rad="12700"/>
+            </a:effectLst>
+          </p:spPr>
+          <p:style>
+            <a:lnRef idx="2">
+              <a:schemeClr val="accent1">
+                <a:shade val="50000"/>
+              </a:schemeClr>
+            </a:lnRef>
+            <a:fillRef idx="1">
+              <a:schemeClr val="accent1"/>
+            </a:fillRef>
+            <a:effectRef idx="0">
+              <a:schemeClr val="accent1"/>
+            </a:effectRef>
+            <a:fontRef idx="minor">
+              <a:schemeClr val="lt1"/>
+            </a:fontRef>
+          </p:style>
+          <p:txBody>
+            <a:bodyPr rtlCol="0" anchor="ctr"/>
+            <a:lstStyle/>
+            <a:p>
+              <a:pPr algn="ctr"/>
+              <a:endParaRPr lang="zh-CN" altLang="en-US"/>
+            </a:p>
+          </p:txBody>
+        </p:sp>
+      </p:grpSp>
+      <p:grpSp>
+        <p:nvGrpSpPr>
+          <p:cNvPr id="278" name="组合 277"/>
+          <p:cNvGrpSpPr/>
+          <p:nvPr userDrawn="1"/>
+        </p:nvGrpSpPr>
+        <p:grpSpPr>
+          <a:xfrm flipH="1">
+            <a:off x="6242406" y="2795617"/>
+            <a:ext cx="1024389" cy="1702691"/>
+            <a:chOff x="5290494" y="2747553"/>
+            <a:chExt cx="1024389" cy="1702691"/>
+          </a:xfrm>
+        </p:grpSpPr>
+        <p:sp>
+          <p:nvSpPr>
+            <p:cNvPr id="279" name="椭圆 278"/>
+            <p:cNvSpPr/>
+            <p:nvPr userDrawn="1"/>
+          </p:nvSpPr>
+          <p:spPr>
+            <a:xfrm rot="17489773" flipH="1">
+              <a:off x="5633241" y="3019115"/>
+              <a:ext cx="169993" cy="100722"/>
+            </a:xfrm>
+            <a:prstGeom prst="ellipse">
+              <a:avLst/>
+            </a:prstGeom>
+            <a:solidFill>
+              <a:srgbClr val="BB0F56"/>
+            </a:solidFill>
+            <a:ln>
+              <a:noFill/>
+            </a:ln>
+          </p:spPr>
+          <p:style>
+            <a:lnRef idx="2">
+              <a:schemeClr val="accent1">
+                <a:shade val="50000"/>
+              </a:schemeClr>
+            </a:lnRef>
+            <a:fillRef idx="1">
+              <a:schemeClr val="accent1"/>
+            </a:fillRef>
+            <a:effectRef idx="0">
+              <a:schemeClr val="accent1"/>
+            </a:effectRef>
+            <a:fontRef idx="minor">
+              <a:schemeClr val="lt1"/>
+            </a:fontRef>
+          </p:style>
+          <p:txBody>
+            <a:bodyPr rtlCol="0" anchor="ctr"/>
+            <a:lstStyle/>
+            <a:p>
+              <a:pPr algn="ctr"/>
+              <a:endParaRPr lang="zh-CN" altLang="en-US"/>
+            </a:p>
+          </p:txBody>
+        </p:sp>
+        <p:sp>
+          <p:nvSpPr>
+            <p:cNvPr id="280" name="椭圆 279"/>
+            <p:cNvSpPr/>
+            <p:nvPr userDrawn="1"/>
+          </p:nvSpPr>
+          <p:spPr>
+            <a:xfrm rot="17489773" flipH="1">
+              <a:off x="5753989" y="3483653"/>
+              <a:ext cx="50880" cy="45719"/>
+            </a:xfrm>
+            <a:prstGeom prst="ellipse">
+              <a:avLst/>
+            </a:prstGeom>
+            <a:solidFill>
+              <a:srgbClr val="BB0F56"/>
+            </a:solidFill>
+            <a:ln>
+              <a:noFill/>
+            </a:ln>
+          </p:spPr>
+          <p:style>
+            <a:lnRef idx="2">
+              <a:schemeClr val="accent1">
+                <a:shade val="50000"/>
+              </a:schemeClr>
+            </a:lnRef>
+            <a:fillRef idx="1">
+              <a:schemeClr val="accent1"/>
+            </a:fillRef>
+            <a:effectRef idx="0">
+              <a:schemeClr val="accent1"/>
+            </a:effectRef>
+            <a:fontRef idx="minor">
+              <a:schemeClr val="lt1"/>
+            </a:fontRef>
+          </p:style>
+          <p:txBody>
+            <a:bodyPr rtlCol="0" anchor="ctr"/>
+            <a:lstStyle/>
+            <a:p>
+              <a:pPr algn="ctr"/>
+              <a:endParaRPr lang="zh-CN" altLang="en-US"/>
+            </a:p>
+          </p:txBody>
+        </p:sp>
+        <p:sp>
+          <p:nvSpPr>
+            <p:cNvPr id="281" name="椭圆 280"/>
+            <p:cNvSpPr/>
+            <p:nvPr userDrawn="1"/>
+          </p:nvSpPr>
+          <p:spPr>
+            <a:xfrm rot="17489773" flipH="1">
+              <a:off x="5502821" y="3309498"/>
+              <a:ext cx="169993" cy="45719"/>
+            </a:xfrm>
+            <a:prstGeom prst="ellipse">
+              <a:avLst/>
+            </a:prstGeom>
+            <a:solidFill>
+              <a:srgbClr val="BB0F56"/>
+            </a:solidFill>
+            <a:ln>
+              <a:noFill/>
+            </a:ln>
+          </p:spPr>
+          <p:style>
+            <a:lnRef idx="2">
+              <a:schemeClr val="accent1">
+                <a:shade val="50000"/>
+              </a:schemeClr>
+            </a:lnRef>
+            <a:fillRef idx="1">
+              <a:schemeClr val="accent1"/>
+            </a:fillRef>
+            <a:effectRef idx="0">
+              <a:schemeClr val="accent1"/>
+            </a:effectRef>
+            <a:fontRef idx="minor">
+              <a:schemeClr val="lt1"/>
+            </a:fontRef>
+          </p:style>
+          <p:txBody>
+            <a:bodyPr rtlCol="0" anchor="ctr"/>
+            <a:lstStyle/>
+            <a:p>
+              <a:pPr algn="ctr"/>
+              <a:endParaRPr lang="zh-CN" altLang="en-US"/>
+            </a:p>
+          </p:txBody>
+        </p:sp>
+        <p:sp>
+          <p:nvSpPr>
+            <p:cNvPr id="282" name="椭圆 281"/>
+            <p:cNvSpPr/>
+            <p:nvPr userDrawn="1"/>
+          </p:nvSpPr>
+          <p:spPr>
+            <a:xfrm rot="17489773" flipH="1">
+              <a:off x="5826739" y="3609301"/>
+              <a:ext cx="117670" cy="45719"/>
+            </a:xfrm>
+            <a:prstGeom prst="ellipse">
+              <a:avLst/>
+            </a:prstGeom>
+            <a:solidFill>
+              <a:srgbClr val="BB0F56"/>
+            </a:solidFill>
+            <a:ln>
+              <a:noFill/>
+            </a:ln>
+          </p:spPr>
+          <p:style>
+            <a:lnRef idx="2">
+              <a:schemeClr val="accent1">
+                <a:shade val="50000"/>
+              </a:schemeClr>
+            </a:lnRef>
+            <a:fillRef idx="1">
+              <a:schemeClr val="accent1"/>
+            </a:fillRef>
+            <a:effectRef idx="0">
+              <a:schemeClr val="accent1"/>
+            </a:effectRef>
+            <a:fontRef idx="minor">
+              <a:schemeClr val="lt1"/>
+            </a:fontRef>
+          </p:style>
+          <p:txBody>
+            <a:bodyPr rtlCol="0" anchor="ctr"/>
+            <a:lstStyle/>
+            <a:p>
+              <a:pPr algn="ctr"/>
+              <a:endParaRPr lang="zh-CN" altLang="en-US"/>
+            </a:p>
+          </p:txBody>
+        </p:sp>
+        <p:sp>
+          <p:nvSpPr>
+            <p:cNvPr id="283" name="椭圆 282"/>
+            <p:cNvSpPr/>
+            <p:nvPr userDrawn="1"/>
+          </p:nvSpPr>
+          <p:spPr>
+            <a:xfrm rot="17489773" flipH="1">
+              <a:off x="5626840" y="3396833"/>
+              <a:ext cx="77473" cy="138566"/>
+            </a:xfrm>
+            <a:prstGeom prst="ellipse">
+              <a:avLst/>
+            </a:prstGeom>
+            <a:solidFill>
+              <a:srgbClr val="BB0F56"/>
+            </a:solidFill>
+            <a:ln>
+              <a:noFill/>
+            </a:ln>
+          </p:spPr>
+          <p:style>
+            <a:lnRef idx="2">
+              <a:schemeClr val="accent1">
+                <a:shade val="50000"/>
+              </a:schemeClr>
+            </a:lnRef>
+            <a:fillRef idx="1">
+              <a:schemeClr val="accent1"/>
+            </a:fillRef>
+            <a:effectRef idx="0">
+              <a:schemeClr val="accent1"/>
+            </a:effectRef>
+            <a:fontRef idx="minor">
+              <a:schemeClr val="lt1"/>
+            </a:fontRef>
+          </p:style>
+          <p:txBody>
+            <a:bodyPr rtlCol="0" anchor="ctr"/>
+            <a:lstStyle/>
+            <a:p>
+              <a:pPr algn="ctr"/>
+              <a:endParaRPr lang="zh-CN" altLang="en-US"/>
+            </a:p>
+          </p:txBody>
+        </p:sp>
+        <p:sp>
+          <p:nvSpPr>
+            <p:cNvPr id="284" name="椭圆 283"/>
+            <p:cNvSpPr/>
+            <p:nvPr userDrawn="1"/>
+          </p:nvSpPr>
+          <p:spPr>
+            <a:xfrm rot="17489773" flipH="1">
+              <a:off x="5600577" y="3501731"/>
+              <a:ext cx="239978" cy="243290"/>
+            </a:xfrm>
+            <a:prstGeom prst="ellipse">
+              <a:avLst/>
+            </a:prstGeom>
+            <a:solidFill>
+              <a:srgbClr val="BB0F56"/>
+            </a:solidFill>
+            <a:ln>
+              <a:noFill/>
+            </a:ln>
+            <a:effectLst>
+              <a:softEdge rad="88900"/>
+            </a:effectLst>
+          </p:spPr>
+          <p:style>
+            <a:lnRef idx="2">
+              <a:schemeClr val="accent1">
+                <a:shade val="50000"/>
+              </a:schemeClr>
+            </a:lnRef>
+            <a:fillRef idx="1">
+              <a:schemeClr val="accent1"/>
+            </a:fillRef>
+            <a:effectRef idx="0">
+              <a:schemeClr val="accent1"/>
+            </a:effectRef>
+            <a:fontRef idx="minor">
+              <a:schemeClr val="lt1"/>
+            </a:fontRef>
+          </p:style>
+          <p:txBody>
+            <a:bodyPr rtlCol="0" anchor="ctr"/>
+            <a:lstStyle/>
+            <a:p>
+              <a:pPr algn="ctr"/>
+              <a:endParaRPr lang="zh-CN" altLang="en-US"/>
+            </a:p>
+          </p:txBody>
+        </p:sp>
+        <p:sp>
+          <p:nvSpPr>
+            <p:cNvPr id="285" name="椭圆 284"/>
+            <p:cNvSpPr/>
+            <p:nvPr userDrawn="1"/>
+          </p:nvSpPr>
+          <p:spPr>
+            <a:xfrm rot="17489773" flipV="1">
+              <a:off x="5776943" y="3769369"/>
+              <a:ext cx="59931" cy="101223"/>
+            </a:xfrm>
+            <a:prstGeom prst="ellipse">
+              <a:avLst/>
+            </a:prstGeom>
+            <a:solidFill>
+              <a:srgbClr val="BB0F56"/>
+            </a:solidFill>
+            <a:ln>
+              <a:noFill/>
+            </a:ln>
+          </p:spPr>
+          <p:style>
+            <a:lnRef idx="2">
+              <a:schemeClr val="accent1">
+                <a:shade val="50000"/>
+              </a:schemeClr>
+            </a:lnRef>
+            <a:fillRef idx="1">
+              <a:schemeClr val="accent1"/>
+            </a:fillRef>
+            <a:effectRef idx="0">
+              <a:schemeClr val="accent1"/>
+            </a:effectRef>
+            <a:fontRef idx="minor">
+              <a:schemeClr val="lt1"/>
+            </a:fontRef>
+          </p:style>
+          <p:txBody>
+            <a:bodyPr rtlCol="0" anchor="ctr"/>
+            <a:lstStyle/>
+            <a:p>
+              <a:pPr algn="ctr"/>
+              <a:endParaRPr lang="zh-CN" altLang="en-US"/>
+            </a:p>
+          </p:txBody>
+        </p:sp>
+        <p:sp>
+          <p:nvSpPr>
+            <p:cNvPr id="286" name="椭圆 285"/>
+            <p:cNvSpPr/>
+            <p:nvPr userDrawn="1"/>
+          </p:nvSpPr>
+          <p:spPr>
+            <a:xfrm rot="14396707" flipH="1">
+              <a:off x="5255858" y="3506368"/>
+              <a:ext cx="169993" cy="100722"/>
+            </a:xfrm>
+            <a:prstGeom prst="ellipse">
+              <a:avLst/>
+            </a:prstGeom>
+            <a:solidFill>
+              <a:srgbClr val="BB0F56"/>
+            </a:solidFill>
+            <a:ln>
+              <a:noFill/>
+            </a:ln>
+          </p:spPr>
+          <p:style>
+            <a:lnRef idx="2">
+              <a:schemeClr val="accent1">
+                <a:shade val="50000"/>
+              </a:schemeClr>
+            </a:lnRef>
+            <a:fillRef idx="1">
+              <a:schemeClr val="accent1"/>
+            </a:fillRef>
+            <a:effectRef idx="0">
+              <a:schemeClr val="accent1"/>
+            </a:effectRef>
+            <a:fontRef idx="minor">
+              <a:schemeClr val="lt1"/>
+            </a:fontRef>
+          </p:style>
+          <p:txBody>
+            <a:bodyPr rtlCol="0" anchor="ctr"/>
+            <a:lstStyle/>
+            <a:p>
+              <a:pPr algn="ctr"/>
+              <a:endParaRPr lang="zh-CN" altLang="en-US"/>
+            </a:p>
+          </p:txBody>
+        </p:sp>
+        <p:sp>
+          <p:nvSpPr>
+            <p:cNvPr id="287" name="椭圆 286"/>
+            <p:cNvSpPr/>
+            <p:nvPr userDrawn="1"/>
+          </p:nvSpPr>
+          <p:spPr>
+            <a:xfrm rot="14396707" flipH="1">
+              <a:off x="5582266" y="2907728"/>
+              <a:ext cx="50880" cy="45719"/>
+            </a:xfrm>
+            <a:prstGeom prst="ellipse">
+              <a:avLst/>
+            </a:prstGeom>
+            <a:solidFill>
+              <a:srgbClr val="BB0F56"/>
+            </a:solidFill>
+            <a:ln>
+              <a:noFill/>
+            </a:ln>
+          </p:spPr>
+          <p:style>
+            <a:lnRef idx="2">
+              <a:schemeClr val="accent1">
+                <a:shade val="50000"/>
+              </a:schemeClr>
+            </a:lnRef>
+            <a:fillRef idx="1">
+              <a:schemeClr val="accent1"/>
+            </a:fillRef>
+            <a:effectRef idx="0">
+              <a:schemeClr val="accent1"/>
+            </a:effectRef>
+            <a:fontRef idx="minor">
+              <a:schemeClr val="lt1"/>
+            </a:fontRef>
+          </p:style>
+          <p:txBody>
+            <a:bodyPr rtlCol="0" anchor="ctr"/>
+            <a:lstStyle/>
+            <a:p>
+              <a:pPr algn="ctr"/>
+              <a:endParaRPr lang="zh-CN" altLang="en-US"/>
+            </a:p>
+          </p:txBody>
+        </p:sp>
+        <p:sp>
+          <p:nvSpPr>
+            <p:cNvPr id="288" name="椭圆 287"/>
+            <p:cNvSpPr/>
+            <p:nvPr userDrawn="1"/>
+          </p:nvSpPr>
+          <p:spPr>
+            <a:xfrm rot="707082" flipH="1">
+              <a:off x="5307858" y="3855546"/>
+              <a:ext cx="169993" cy="45719"/>
+            </a:xfrm>
+            <a:prstGeom prst="ellipse">
+              <a:avLst/>
+            </a:prstGeom>
+            <a:solidFill>
+              <a:srgbClr val="BB0F56"/>
+            </a:solidFill>
+            <a:ln>
+              <a:noFill/>
+            </a:ln>
+          </p:spPr>
+          <p:style>
+            <a:lnRef idx="2">
+              <a:schemeClr val="accent1">
+                <a:shade val="50000"/>
+              </a:schemeClr>
+            </a:lnRef>
+            <a:fillRef idx="1">
+              <a:schemeClr val="accent1"/>
+            </a:fillRef>
+            <a:effectRef idx="0">
+              <a:schemeClr val="accent1"/>
+            </a:effectRef>
+            <a:fontRef idx="minor">
+              <a:schemeClr val="lt1"/>
+            </a:fontRef>
+          </p:style>
+          <p:txBody>
+            <a:bodyPr rtlCol="0" anchor="ctr"/>
+            <a:lstStyle/>
+            <a:p>
+              <a:pPr algn="ctr"/>
+              <a:endParaRPr lang="zh-CN" altLang="en-US"/>
+            </a:p>
+          </p:txBody>
+        </p:sp>
+        <p:sp>
+          <p:nvSpPr>
+            <p:cNvPr id="289" name="椭圆 288"/>
+            <p:cNvSpPr/>
+            <p:nvPr userDrawn="1"/>
+          </p:nvSpPr>
+          <p:spPr>
+            <a:xfrm rot="14396707" flipH="1">
+              <a:off x="5606755" y="3857226"/>
+              <a:ext cx="117670" cy="45719"/>
+            </a:xfrm>
+            <a:prstGeom prst="ellipse">
+              <a:avLst/>
+            </a:prstGeom>
+            <a:solidFill>
+              <a:srgbClr val="BB0F56"/>
+            </a:solidFill>
+            <a:ln>
+              <a:noFill/>
+            </a:ln>
+          </p:spPr>
+          <p:style>
+            <a:lnRef idx="2">
+              <a:schemeClr val="accent1">
+                <a:shade val="50000"/>
+              </a:schemeClr>
+            </a:lnRef>
+            <a:fillRef idx="1">
+              <a:schemeClr val="accent1"/>
+            </a:fillRef>
+            <a:effectRef idx="0">
+              <a:schemeClr val="accent1"/>
+            </a:effectRef>
+            <a:fontRef idx="minor">
+              <a:schemeClr val="lt1"/>
+            </a:fontRef>
+          </p:style>
+          <p:txBody>
+            <a:bodyPr rtlCol="0" anchor="ctr"/>
+            <a:lstStyle/>
+            <a:p>
+              <a:pPr algn="ctr"/>
+              <a:endParaRPr lang="zh-CN" altLang="en-US"/>
+            </a:p>
+          </p:txBody>
+        </p:sp>
+        <p:sp>
+          <p:nvSpPr>
+            <p:cNvPr id="290" name="椭圆 289"/>
+            <p:cNvSpPr/>
+            <p:nvPr userDrawn="1"/>
+          </p:nvSpPr>
+          <p:spPr>
+            <a:xfrm rot="14396707" flipH="1">
+              <a:off x="5453404" y="3050247"/>
+              <a:ext cx="77473" cy="138566"/>
+            </a:xfrm>
+            <a:prstGeom prst="ellipse">
+              <a:avLst/>
+            </a:prstGeom>
+            <a:solidFill>
+              <a:srgbClr val="BB0F56"/>
+            </a:solidFill>
+            <a:ln>
+              <a:noFill/>
+            </a:ln>
+          </p:spPr>
+          <p:style>
+            <a:lnRef idx="2">
+              <a:schemeClr val="accent1">
+                <a:shade val="50000"/>
+              </a:schemeClr>
+            </a:lnRef>
+            <a:fillRef idx="1">
+              <a:schemeClr val="accent1"/>
+            </a:fillRef>
+            <a:effectRef idx="0">
+              <a:schemeClr val="accent1"/>
+            </a:effectRef>
+            <a:fontRef idx="minor">
+              <a:schemeClr val="lt1"/>
+            </a:fontRef>
+          </p:style>
+          <p:txBody>
+            <a:bodyPr rtlCol="0" anchor="ctr"/>
+            <a:lstStyle/>
+            <a:p>
+              <a:pPr algn="ctr"/>
+              <a:endParaRPr lang="zh-CN" altLang="en-US"/>
+            </a:p>
+          </p:txBody>
+        </p:sp>
+        <p:sp>
+          <p:nvSpPr>
+            <p:cNvPr id="291" name="椭圆 290"/>
+            <p:cNvSpPr/>
+            <p:nvPr userDrawn="1"/>
+          </p:nvSpPr>
+          <p:spPr>
+            <a:xfrm rot="14396707" flipH="1">
+              <a:off x="5533140" y="2745897"/>
+              <a:ext cx="239978" cy="243290"/>
+            </a:xfrm>
+            <a:prstGeom prst="ellipse">
+              <a:avLst/>
+            </a:prstGeom>
+            <a:solidFill>
+              <a:srgbClr val="BB0F56"/>
+            </a:solidFill>
+            <a:ln>
+              <a:noFill/>
+            </a:ln>
+            <a:effectLst>
+              <a:softEdge rad="88900"/>
+            </a:effectLst>
+          </p:spPr>
+          <p:style>
+            <a:lnRef idx="2">
+              <a:schemeClr val="accent1">
+                <a:shade val="50000"/>
+              </a:schemeClr>
+            </a:lnRef>
+            <a:fillRef idx="1">
+              <a:schemeClr val="accent1"/>
+            </a:fillRef>
+            <a:effectRef idx="0">
+              <a:schemeClr val="accent1"/>
+            </a:effectRef>
+            <a:fontRef idx="minor">
+              <a:schemeClr val="lt1"/>
+            </a:fontRef>
+          </p:style>
+          <p:txBody>
+            <a:bodyPr rtlCol="0" anchor="ctr"/>
+            <a:lstStyle/>
+            <a:p>
+              <a:pPr algn="ctr"/>
+              <a:endParaRPr lang="zh-CN" altLang="en-US"/>
+            </a:p>
+          </p:txBody>
+        </p:sp>
+        <p:sp>
+          <p:nvSpPr>
+            <p:cNvPr id="292" name="椭圆 291"/>
+            <p:cNvSpPr/>
+            <p:nvPr userDrawn="1"/>
+          </p:nvSpPr>
+          <p:spPr>
+            <a:xfrm rot="14396707" flipV="1">
+              <a:off x="5796832" y="3947941"/>
+              <a:ext cx="59931" cy="101223"/>
+            </a:xfrm>
+            <a:prstGeom prst="ellipse">
+              <a:avLst/>
+            </a:prstGeom>
+            <a:solidFill>
+              <a:srgbClr val="BB0F56"/>
+            </a:solidFill>
+            <a:ln>
+              <a:noFill/>
+            </a:ln>
+          </p:spPr>
+          <p:style>
+            <a:lnRef idx="2">
+              <a:schemeClr val="accent1">
+                <a:shade val="50000"/>
+              </a:schemeClr>
+            </a:lnRef>
+            <a:fillRef idx="1">
+              <a:schemeClr val="accent1"/>
+            </a:fillRef>
+            <a:effectRef idx="0">
+              <a:schemeClr val="accent1"/>
+            </a:effectRef>
+            <a:fontRef idx="minor">
+              <a:schemeClr val="lt1"/>
+            </a:fontRef>
+          </p:style>
+          <p:txBody>
+            <a:bodyPr rtlCol="0" anchor="ctr"/>
+            <a:lstStyle/>
+            <a:p>
+              <a:pPr algn="ctr"/>
+              <a:endParaRPr lang="zh-CN" altLang="en-US"/>
+            </a:p>
+          </p:txBody>
+        </p:sp>
+        <p:sp>
+          <p:nvSpPr>
+            <p:cNvPr id="293" name="椭圆 292"/>
+            <p:cNvSpPr/>
+            <p:nvPr userDrawn="1"/>
+          </p:nvSpPr>
+          <p:spPr>
+            <a:xfrm rot="18784759" flipH="1">
+              <a:off x="5923420" y="3856340"/>
+              <a:ext cx="169993" cy="100722"/>
+            </a:xfrm>
+            <a:prstGeom prst="ellipse">
+              <a:avLst/>
+            </a:prstGeom>
+            <a:solidFill>
+              <a:srgbClr val="BB0F56"/>
+            </a:solidFill>
+            <a:ln>
+              <a:noFill/>
+            </a:ln>
+          </p:spPr>
+          <p:style>
+            <a:lnRef idx="2">
+              <a:schemeClr val="accent1">
+                <a:shade val="50000"/>
+              </a:schemeClr>
+            </a:lnRef>
+            <a:fillRef idx="1">
+              <a:schemeClr val="accent1"/>
+            </a:fillRef>
+            <a:effectRef idx="0">
+              <a:schemeClr val="accent1"/>
+            </a:effectRef>
+            <a:fontRef idx="minor">
+              <a:schemeClr val="lt1"/>
+            </a:fontRef>
+          </p:style>
+          <p:txBody>
+            <a:bodyPr rtlCol="0" anchor="ctr"/>
+            <a:lstStyle/>
+            <a:p>
+              <a:pPr algn="ctr"/>
+              <a:endParaRPr lang="zh-CN" altLang="en-US"/>
+            </a:p>
+          </p:txBody>
+        </p:sp>
+        <p:sp>
+          <p:nvSpPr>
+            <p:cNvPr id="294" name="椭圆 293"/>
+            <p:cNvSpPr/>
+            <p:nvPr userDrawn="1"/>
+          </p:nvSpPr>
+          <p:spPr>
+            <a:xfrm rot="18784759" flipH="1">
+              <a:off x="5905556" y="4095822"/>
+              <a:ext cx="50880" cy="45719"/>
+            </a:xfrm>
+            <a:prstGeom prst="ellipse">
+              <a:avLst/>
+            </a:prstGeom>
+            <a:solidFill>
+              <a:srgbClr val="BB0F56"/>
+            </a:solidFill>
+            <a:ln>
+              <a:noFill/>
+            </a:ln>
+          </p:spPr>
+          <p:style>
+            <a:lnRef idx="2">
+              <a:schemeClr val="accent1">
+                <a:shade val="50000"/>
+              </a:schemeClr>
+            </a:lnRef>
+            <a:fillRef idx="1">
+              <a:schemeClr val="accent1"/>
+            </a:fillRef>
+            <a:effectRef idx="0">
+              <a:schemeClr val="accent1"/>
+            </a:effectRef>
+            <a:fontRef idx="minor">
+              <a:schemeClr val="lt1"/>
+            </a:fontRef>
+          </p:style>
+          <p:txBody>
+            <a:bodyPr rtlCol="0" anchor="ctr"/>
+            <a:lstStyle/>
+            <a:p>
+              <a:pPr algn="ctr"/>
+              <a:endParaRPr lang="zh-CN" altLang="en-US"/>
+            </a:p>
+          </p:txBody>
+        </p:sp>
+        <p:sp>
+          <p:nvSpPr>
+            <p:cNvPr id="295" name="椭圆 294"/>
+            <p:cNvSpPr/>
+            <p:nvPr userDrawn="1"/>
+          </p:nvSpPr>
+          <p:spPr>
+            <a:xfrm rot="18784759" flipH="1">
+              <a:off x="5603138" y="4110728"/>
+              <a:ext cx="169993" cy="45719"/>
+            </a:xfrm>
+            <a:prstGeom prst="ellipse">
+              <a:avLst/>
+            </a:prstGeom>
+            <a:solidFill>
+              <a:srgbClr val="BB0F56"/>
+            </a:solidFill>
+            <a:ln>
+              <a:noFill/>
+            </a:ln>
+          </p:spPr>
+          <p:style>
+            <a:lnRef idx="2">
+              <a:schemeClr val="accent1">
+                <a:shade val="50000"/>
+              </a:schemeClr>
+            </a:lnRef>
+            <a:fillRef idx="1">
+              <a:schemeClr val="accent1"/>
+            </a:fillRef>
+            <a:effectRef idx="0">
+              <a:schemeClr val="accent1"/>
+            </a:effectRef>
+            <a:fontRef idx="minor">
+              <a:schemeClr val="lt1"/>
+            </a:fontRef>
+          </p:style>
+          <p:txBody>
+            <a:bodyPr rtlCol="0" anchor="ctr"/>
+            <a:lstStyle/>
+            <a:p>
+              <a:pPr algn="ctr"/>
+              <a:endParaRPr lang="zh-CN" altLang="en-US"/>
+            </a:p>
+          </p:txBody>
+        </p:sp>
+        <p:sp>
+          <p:nvSpPr>
+            <p:cNvPr id="296" name="椭圆 295"/>
+            <p:cNvSpPr/>
+            <p:nvPr userDrawn="1"/>
+          </p:nvSpPr>
+          <p:spPr>
+            <a:xfrm rot="17757683" flipH="1" flipV="1">
+              <a:off x="6040320" y="4251680"/>
+              <a:ext cx="81861" cy="45719"/>
+            </a:xfrm>
+            <a:prstGeom prst="ellipse">
+              <a:avLst/>
+            </a:prstGeom>
+            <a:solidFill>
+              <a:srgbClr val="BB0F56"/>
+            </a:solidFill>
+            <a:ln>
+              <a:noFill/>
+            </a:ln>
+          </p:spPr>
+          <p:style>
+            <a:lnRef idx="2">
+              <a:schemeClr val="accent1">
+                <a:shade val="50000"/>
+              </a:schemeClr>
+            </a:lnRef>
+            <a:fillRef idx="1">
+              <a:schemeClr val="accent1"/>
+            </a:fillRef>
+            <a:effectRef idx="0">
+              <a:schemeClr val="accent1"/>
+            </a:effectRef>
+            <a:fontRef idx="minor">
+              <a:schemeClr val="lt1"/>
+            </a:fontRef>
+          </p:style>
+          <p:txBody>
+            <a:bodyPr rtlCol="0" anchor="ctr"/>
+            <a:lstStyle/>
+            <a:p>
+              <a:pPr algn="ctr"/>
+              <a:endParaRPr lang="zh-CN" altLang="en-US"/>
+            </a:p>
+          </p:txBody>
+        </p:sp>
+        <p:sp>
+          <p:nvSpPr>
+            <p:cNvPr id="297" name="椭圆 296"/>
+            <p:cNvSpPr/>
+            <p:nvPr userDrawn="1"/>
+          </p:nvSpPr>
+          <p:spPr>
+            <a:xfrm rot="18784759" flipH="1">
+              <a:off x="5561895" y="4273919"/>
+              <a:ext cx="77473" cy="138566"/>
+            </a:xfrm>
+            <a:prstGeom prst="ellipse">
+              <a:avLst/>
+            </a:prstGeom>
+            <a:solidFill>
+              <a:srgbClr val="BB0F56"/>
+            </a:solidFill>
+            <a:ln>
+              <a:noFill/>
+            </a:ln>
+          </p:spPr>
+          <p:style>
+            <a:lnRef idx="2">
+              <a:schemeClr val="accent1">
+                <a:shade val="50000"/>
+              </a:schemeClr>
+            </a:lnRef>
+            <a:fillRef idx="1">
+              <a:schemeClr val="accent1"/>
+            </a:fillRef>
+            <a:effectRef idx="0">
+              <a:schemeClr val="accent1"/>
+            </a:effectRef>
+            <a:fontRef idx="minor">
+              <a:schemeClr val="lt1"/>
+            </a:fontRef>
+          </p:style>
+          <p:txBody>
+            <a:bodyPr rtlCol="0" anchor="ctr"/>
+            <a:lstStyle/>
+            <a:p>
+              <a:pPr algn="ctr"/>
+              <a:endParaRPr lang="zh-CN" altLang="en-US"/>
+            </a:p>
+          </p:txBody>
+        </p:sp>
+        <p:sp>
+          <p:nvSpPr>
+            <p:cNvPr id="298" name="椭圆 297"/>
+            <p:cNvSpPr/>
+            <p:nvPr userDrawn="1"/>
+          </p:nvSpPr>
+          <p:spPr>
+            <a:xfrm rot="18784759" flipH="1">
+              <a:off x="5684471" y="4183178"/>
+              <a:ext cx="239978" cy="243290"/>
+            </a:xfrm>
+            <a:prstGeom prst="ellipse">
+              <a:avLst/>
+            </a:prstGeom>
+            <a:solidFill>
+              <a:srgbClr val="BB0F56"/>
+            </a:solidFill>
+            <a:ln>
+              <a:noFill/>
+            </a:ln>
+            <a:effectLst>
+              <a:softEdge rad="88900"/>
+            </a:effectLst>
+          </p:spPr>
+          <p:style>
+            <a:lnRef idx="2">
+              <a:schemeClr val="accent1">
+                <a:shade val="50000"/>
+              </a:schemeClr>
+            </a:lnRef>
+            <a:fillRef idx="1">
+              <a:schemeClr val="accent1"/>
+            </a:fillRef>
+            <a:effectRef idx="0">
+              <a:schemeClr val="accent1"/>
+            </a:effectRef>
+            <a:fontRef idx="minor">
+              <a:schemeClr val="lt1"/>
+            </a:fontRef>
+          </p:style>
+          <p:txBody>
+            <a:bodyPr rtlCol="0" anchor="ctr"/>
+            <a:lstStyle/>
+            <a:p>
+              <a:pPr algn="ctr"/>
+              <a:endParaRPr lang="zh-CN" altLang="en-US"/>
+            </a:p>
+          </p:txBody>
+        </p:sp>
+        <p:sp>
+          <p:nvSpPr>
+            <p:cNvPr id="299" name="椭圆 298"/>
+            <p:cNvSpPr/>
+            <p:nvPr userDrawn="1"/>
+          </p:nvSpPr>
+          <p:spPr>
+            <a:xfrm rot="18784759" flipV="1">
+              <a:off x="5811274" y="4369667"/>
+              <a:ext cx="59931" cy="101223"/>
+            </a:xfrm>
+            <a:prstGeom prst="ellipse">
+              <a:avLst/>
+            </a:prstGeom>
+            <a:solidFill>
+              <a:srgbClr val="BB0F56"/>
+            </a:solidFill>
+            <a:ln>
+              <a:noFill/>
+            </a:ln>
+          </p:spPr>
+          <p:style>
+            <a:lnRef idx="2">
+              <a:schemeClr val="accent1">
+                <a:shade val="50000"/>
+              </a:schemeClr>
+            </a:lnRef>
+            <a:fillRef idx="1">
+              <a:schemeClr val="accent1"/>
+            </a:fillRef>
+            <a:effectRef idx="0">
+              <a:schemeClr val="accent1"/>
+            </a:effectRef>
+            <a:fontRef idx="minor">
+              <a:schemeClr val="lt1"/>
+            </a:fontRef>
+          </p:style>
+          <p:txBody>
+            <a:bodyPr rtlCol="0" anchor="ctr"/>
+            <a:lstStyle/>
+            <a:p>
+              <a:pPr algn="ctr"/>
+              <a:endParaRPr lang="zh-CN" altLang="en-US"/>
+            </a:p>
+          </p:txBody>
+        </p:sp>
+        <p:sp>
+          <p:nvSpPr>
+            <p:cNvPr id="300" name="椭圆 299"/>
+            <p:cNvSpPr/>
+            <p:nvPr userDrawn="1"/>
+          </p:nvSpPr>
+          <p:spPr>
+            <a:xfrm rot="14396707" flipH="1">
+              <a:off x="5508728" y="3983858"/>
+              <a:ext cx="75078" cy="45719"/>
+            </a:xfrm>
+            <a:prstGeom prst="ellipse">
+              <a:avLst/>
+            </a:prstGeom>
+            <a:solidFill>
+              <a:srgbClr val="BB0F56"/>
+            </a:solidFill>
+            <a:ln>
+              <a:noFill/>
+            </a:ln>
+          </p:spPr>
+          <p:style>
+            <a:lnRef idx="2">
+              <a:schemeClr val="accent1">
+                <a:shade val="50000"/>
+              </a:schemeClr>
+            </a:lnRef>
+            <a:fillRef idx="1">
+              <a:schemeClr val="accent1"/>
+            </a:fillRef>
+            <a:effectRef idx="0">
+              <a:schemeClr val="accent1"/>
+            </a:effectRef>
+            <a:fontRef idx="minor">
+              <a:schemeClr val="lt1"/>
+            </a:fontRef>
+          </p:style>
+          <p:txBody>
+            <a:bodyPr rtlCol="0" anchor="ctr"/>
+            <a:lstStyle/>
+            <a:p>
+              <a:pPr algn="ctr"/>
+              <a:endParaRPr lang="zh-CN" altLang="en-US"/>
+            </a:p>
+          </p:txBody>
+        </p:sp>
+        <p:sp>
+          <p:nvSpPr>
+            <p:cNvPr id="301" name="椭圆 300"/>
+            <p:cNvSpPr/>
+            <p:nvPr userDrawn="1"/>
+          </p:nvSpPr>
+          <p:spPr>
+            <a:xfrm rot="14396707" flipH="1" flipV="1">
+              <a:off x="5445929" y="4213706"/>
+              <a:ext cx="45719" cy="54699"/>
+            </a:xfrm>
+            <a:prstGeom prst="ellipse">
+              <a:avLst/>
+            </a:prstGeom>
+            <a:solidFill>
+              <a:srgbClr val="BB0F56"/>
+            </a:solidFill>
+            <a:ln>
+              <a:noFill/>
+            </a:ln>
+          </p:spPr>
+          <p:style>
+            <a:lnRef idx="2">
+              <a:schemeClr val="accent1">
+                <a:shade val="50000"/>
+              </a:schemeClr>
+            </a:lnRef>
+            <a:fillRef idx="1">
+              <a:schemeClr val="accent1"/>
+            </a:fillRef>
+            <a:effectRef idx="0">
+              <a:schemeClr val="accent1"/>
+            </a:effectRef>
+            <a:fontRef idx="minor">
+              <a:schemeClr val="lt1"/>
+            </a:fontRef>
+          </p:style>
+          <p:txBody>
+            <a:bodyPr rtlCol="0" anchor="ctr"/>
+            <a:lstStyle/>
+            <a:p>
+              <a:pPr algn="ctr"/>
+              <a:endParaRPr lang="zh-CN" altLang="en-US"/>
+            </a:p>
+          </p:txBody>
+        </p:sp>
+        <p:sp>
+          <p:nvSpPr>
+            <p:cNvPr id="302" name="椭圆 301"/>
+            <p:cNvSpPr/>
+            <p:nvPr userDrawn="1"/>
+          </p:nvSpPr>
+          <p:spPr>
+            <a:xfrm rot="18784759" flipV="1">
+              <a:off x="5498227" y="3681821"/>
+              <a:ext cx="59931" cy="101223"/>
+            </a:xfrm>
+            <a:prstGeom prst="ellipse">
+              <a:avLst/>
+            </a:prstGeom>
+            <a:solidFill>
+              <a:srgbClr val="BB0F56"/>
+            </a:solidFill>
+            <a:ln>
+              <a:noFill/>
+            </a:ln>
+          </p:spPr>
+          <p:style>
+            <a:lnRef idx="2">
+              <a:schemeClr val="accent1">
+                <a:shade val="50000"/>
+              </a:schemeClr>
+            </a:lnRef>
+            <a:fillRef idx="1">
+              <a:schemeClr val="accent1"/>
+            </a:fillRef>
+            <a:effectRef idx="0">
+              <a:schemeClr val="accent1"/>
+            </a:effectRef>
+            <a:fontRef idx="minor">
+              <a:schemeClr val="lt1"/>
+            </a:fontRef>
+          </p:style>
+          <p:txBody>
+            <a:bodyPr rtlCol="0" anchor="ctr"/>
+            <a:lstStyle/>
+            <a:p>
+              <a:pPr algn="ctr"/>
+              <a:endParaRPr lang="zh-CN" altLang="en-US"/>
+            </a:p>
+          </p:txBody>
+        </p:sp>
+        <p:sp>
+          <p:nvSpPr>
+            <p:cNvPr id="303" name="椭圆 302"/>
+            <p:cNvSpPr/>
+            <p:nvPr userDrawn="1"/>
+          </p:nvSpPr>
+          <p:spPr>
+            <a:xfrm>
+              <a:off x="6111289" y="3994808"/>
+              <a:ext cx="67981" cy="54695"/>
+            </a:xfrm>
+            <a:prstGeom prst="ellipse">
+              <a:avLst/>
+            </a:prstGeom>
+            <a:solidFill>
+              <a:srgbClr val="BB0F56"/>
+            </a:solidFill>
+            <a:ln>
+              <a:noFill/>
+            </a:ln>
+          </p:spPr>
+          <p:style>
+            <a:lnRef idx="2">
+              <a:schemeClr val="accent1">
+                <a:shade val="50000"/>
+              </a:schemeClr>
+            </a:lnRef>
+            <a:fillRef idx="1">
+              <a:schemeClr val="accent1"/>
+            </a:fillRef>
+            <a:effectRef idx="0">
+              <a:schemeClr val="accent1"/>
+            </a:effectRef>
+            <a:fontRef idx="minor">
+              <a:schemeClr val="lt1"/>
+            </a:fontRef>
+          </p:style>
+          <p:txBody>
+            <a:bodyPr rtlCol="0" anchor="ctr"/>
+            <a:lstStyle/>
+            <a:p>
+              <a:pPr algn="ctr"/>
+              <a:endParaRPr lang="zh-CN" altLang="en-US"/>
+            </a:p>
+          </p:txBody>
+        </p:sp>
+        <p:sp>
+          <p:nvSpPr>
+            <p:cNvPr id="304" name="椭圆 303"/>
+            <p:cNvSpPr/>
+            <p:nvPr userDrawn="1"/>
+          </p:nvSpPr>
+          <p:spPr>
+            <a:xfrm>
+              <a:off x="6169751" y="3796487"/>
+              <a:ext cx="67981" cy="54695"/>
+            </a:xfrm>
+            <a:prstGeom prst="ellipse">
+              <a:avLst/>
+            </a:prstGeom>
+            <a:solidFill>
+              <a:srgbClr val="BB0F56">
+                <a:alpha val="50000"/>
+              </a:srgbClr>
+            </a:solidFill>
+            <a:ln>
+              <a:noFill/>
+            </a:ln>
+            <a:effectLst>
+              <a:softEdge rad="12700"/>
+            </a:effectLst>
+          </p:spPr>
+          <p:style>
+            <a:lnRef idx="2">
+              <a:schemeClr val="accent1">
+                <a:shade val="50000"/>
+              </a:schemeClr>
+            </a:lnRef>
+            <a:fillRef idx="1">
+              <a:schemeClr val="accent1"/>
+            </a:fillRef>
+            <a:effectRef idx="0">
+              <a:schemeClr val="accent1"/>
+            </a:effectRef>
+            <a:fontRef idx="minor">
+              <a:schemeClr val="lt1"/>
+            </a:fontRef>
+          </p:style>
+          <p:txBody>
+            <a:bodyPr rtlCol="0" anchor="ctr"/>
+            <a:lstStyle/>
+            <a:p>
+              <a:pPr algn="ctr"/>
+              <a:endParaRPr lang="zh-CN" altLang="en-US"/>
+            </a:p>
+          </p:txBody>
+        </p:sp>
+        <p:sp>
+          <p:nvSpPr>
+            <p:cNvPr id="305" name="椭圆 304"/>
+            <p:cNvSpPr/>
+            <p:nvPr userDrawn="1"/>
+          </p:nvSpPr>
+          <p:spPr>
+            <a:xfrm>
+              <a:off x="6202076" y="4269078"/>
+              <a:ext cx="112807" cy="84337"/>
+            </a:xfrm>
+            <a:prstGeom prst="ellipse">
+              <a:avLst/>
+            </a:prstGeom>
+            <a:solidFill>
+              <a:srgbClr val="BB0F56">
+                <a:alpha val="50000"/>
+              </a:srgbClr>
+            </a:solidFill>
+            <a:ln>
+              <a:noFill/>
+            </a:ln>
+            <a:effectLst>
+              <a:softEdge rad="25400"/>
+            </a:effectLst>
+          </p:spPr>
+          <p:style>
+            <a:lnRef idx="2">
+              <a:schemeClr val="accent1">
+                <a:shade val="50000"/>
+              </a:schemeClr>
+            </a:lnRef>
+            <a:fillRef idx="1">
+              <a:schemeClr val="accent1"/>
+            </a:fillRef>
+            <a:effectRef idx="0">
+              <a:schemeClr val="accent1"/>
+            </a:effectRef>
+            <a:fontRef idx="minor">
+              <a:schemeClr val="lt1"/>
+            </a:fontRef>
+          </p:style>
+          <p:txBody>
+            <a:bodyPr rtlCol="0" anchor="ctr"/>
+            <a:lstStyle/>
+            <a:p>
+              <a:pPr algn="ctr"/>
+              <a:endParaRPr lang="zh-CN" altLang="en-US"/>
+            </a:p>
+          </p:txBody>
+        </p:sp>
+        <p:sp>
+          <p:nvSpPr>
+            <p:cNvPr id="306" name="椭圆 305"/>
+            <p:cNvSpPr/>
+            <p:nvPr userDrawn="1"/>
+          </p:nvSpPr>
+          <p:spPr>
+            <a:xfrm>
+              <a:off x="6139122" y="4092764"/>
+              <a:ext cx="45719" cy="45719"/>
+            </a:xfrm>
+            <a:prstGeom prst="ellipse">
+              <a:avLst/>
+            </a:prstGeom>
+            <a:solidFill>
+              <a:srgbClr val="BB0F56"/>
+            </a:solidFill>
+            <a:ln>
+              <a:noFill/>
+            </a:ln>
+            <a:effectLst>
+              <a:softEdge rad="12700"/>
+            </a:effectLst>
+          </p:spPr>
+          <p:style>
+            <a:lnRef idx="2">
+              <a:schemeClr val="accent1">
+                <a:shade val="50000"/>
+              </a:schemeClr>
+            </a:lnRef>
+            <a:fillRef idx="1">
+              <a:schemeClr val="accent1"/>
+            </a:fillRef>
+            <a:effectRef idx="0">
+              <a:schemeClr val="accent1"/>
+            </a:effectRef>
+            <a:fontRef idx="minor">
+              <a:schemeClr val="lt1"/>
+            </a:fontRef>
+          </p:style>
+          <p:txBody>
+            <a:bodyPr rtlCol="0" anchor="ctr"/>
+            <a:lstStyle/>
+            <a:p>
+              <a:pPr algn="ctr"/>
+              <a:endParaRPr lang="zh-CN" altLang="en-US"/>
+            </a:p>
+          </p:txBody>
+        </p:sp>
+      </p:grpSp>
+      <p:cxnSp>
+        <p:nvCxnSpPr>
+          <p:cNvPr id="13" name="直接连接符 12"/>
+          <p:cNvCxnSpPr/>
+          <p:nvPr userDrawn="1"/>
+        </p:nvCxnSpPr>
+        <p:spPr>
+          <a:xfrm>
+            <a:off x="4758152" y="2163820"/>
+            <a:ext cx="248995" cy="99555"/>
+          </a:xfrm>
+          <a:prstGeom prst="line">
+            <a:avLst/>
+          </a:prstGeom>
+          <a:ln>
+            <a:gradFill>
+              <a:gsLst>
+                <a:gs pos="0">
+                  <a:schemeClr val="accent1">
+                    <a:lumMod val="5000"/>
+                    <a:lumOff val="95000"/>
+                  </a:schemeClr>
+                </a:gs>
+                <a:gs pos="100000">
+                  <a:schemeClr val="bg1">
+                    <a:alpha val="0"/>
+                  </a:schemeClr>
+                </a:gs>
+              </a:gsLst>
+              <a:lin ang="0" scaled="0"/>
+            </a:gradFill>
+          </a:ln>
+        </p:spPr>
+        <p:style>
+          <a:lnRef idx="1">
+            <a:schemeClr val="accent1"/>
+          </a:lnRef>
+          <a:fillRef idx="0">
+            <a:schemeClr val="accent1"/>
+          </a:fillRef>
+          <a:effectRef idx="0">
+            <a:schemeClr val="accent1"/>
+          </a:effectRef>
+          <a:fontRef idx="minor">
+            <a:schemeClr val="tx1"/>
+          </a:fontRef>
+        </p:style>
+      </p:cxnSp>
+      <p:cxnSp>
+        <p:nvCxnSpPr>
+          <p:cNvPr id="312" name="直接连接符 311"/>
+          <p:cNvCxnSpPr/>
+          <p:nvPr userDrawn="1"/>
+        </p:nvCxnSpPr>
+        <p:spPr>
+          <a:xfrm>
+            <a:off x="4571053" y="2543732"/>
+            <a:ext cx="318223" cy="15112"/>
+          </a:xfrm>
+          <a:prstGeom prst="line">
+            <a:avLst/>
+          </a:prstGeom>
+          <a:ln>
+            <a:gradFill>
+              <a:gsLst>
+                <a:gs pos="0">
+                  <a:schemeClr val="accent1">
+                    <a:lumMod val="5000"/>
+                    <a:lumOff val="95000"/>
+                  </a:schemeClr>
+                </a:gs>
+                <a:gs pos="100000">
+                  <a:schemeClr val="bg1">
+                    <a:alpha val="0"/>
+                  </a:schemeClr>
+                </a:gs>
+              </a:gsLst>
+              <a:lin ang="0" scaled="0"/>
+            </a:gradFill>
+          </a:ln>
+        </p:spPr>
+        <p:style>
+          <a:lnRef idx="1">
+            <a:schemeClr val="accent1"/>
+          </a:lnRef>
+          <a:fillRef idx="0">
+            <a:schemeClr val="accent1"/>
+          </a:fillRef>
+          <a:effectRef idx="0">
+            <a:schemeClr val="accent1"/>
+          </a:effectRef>
+          <a:fontRef idx="minor">
+            <a:schemeClr val="tx1"/>
+          </a:fontRef>
+        </p:style>
+      </p:cxnSp>
+      <p:cxnSp>
+        <p:nvCxnSpPr>
+          <p:cNvPr id="315" name="直接连接符 314"/>
+          <p:cNvCxnSpPr/>
+          <p:nvPr userDrawn="1"/>
+        </p:nvCxnSpPr>
+        <p:spPr>
+          <a:xfrm flipV="1">
+            <a:off x="4746805" y="2925084"/>
+            <a:ext cx="135845" cy="58491"/>
+          </a:xfrm>
+          <a:prstGeom prst="line">
+            <a:avLst/>
+          </a:prstGeom>
+          <a:ln>
+            <a:gradFill>
+              <a:gsLst>
+                <a:gs pos="0">
+                  <a:schemeClr val="accent1">
+                    <a:lumMod val="5000"/>
+                    <a:lumOff val="95000"/>
+                  </a:schemeClr>
+                </a:gs>
+                <a:gs pos="100000">
+                  <a:schemeClr val="bg1">
+                    <a:alpha val="0"/>
+                  </a:schemeClr>
+                </a:gs>
+              </a:gsLst>
+              <a:lin ang="0" scaled="0"/>
+            </a:gradFill>
+          </a:ln>
+        </p:spPr>
+        <p:style>
+          <a:lnRef idx="1">
+            <a:schemeClr val="accent1"/>
+          </a:lnRef>
+          <a:fillRef idx="0">
+            <a:schemeClr val="accent1"/>
+          </a:fillRef>
+          <a:effectRef idx="0">
+            <a:schemeClr val="accent1"/>
+          </a:effectRef>
+          <a:fontRef idx="minor">
+            <a:schemeClr val="tx1"/>
+          </a:fontRef>
+        </p:style>
+      </p:cxnSp>
+      <p:cxnSp>
+        <p:nvCxnSpPr>
+          <p:cNvPr id="349" name="直接连接符 348"/>
+          <p:cNvCxnSpPr/>
+          <p:nvPr userDrawn="1"/>
+        </p:nvCxnSpPr>
+        <p:spPr>
+          <a:xfrm>
+            <a:off x="5012864" y="1895055"/>
+            <a:ext cx="150520" cy="64945"/>
+          </a:xfrm>
+          <a:prstGeom prst="line">
+            <a:avLst/>
+          </a:prstGeom>
+          <a:ln>
+            <a:gradFill>
+              <a:gsLst>
+                <a:gs pos="0">
+                  <a:schemeClr val="accent1">
+                    <a:lumMod val="5000"/>
+                    <a:lumOff val="95000"/>
+                  </a:schemeClr>
+                </a:gs>
+                <a:gs pos="100000">
+                  <a:schemeClr val="bg1">
+                    <a:alpha val="0"/>
+                  </a:schemeClr>
+                </a:gs>
+              </a:gsLst>
+              <a:lin ang="0" scaled="0"/>
+            </a:gradFill>
+          </a:ln>
+        </p:spPr>
+        <p:style>
+          <a:lnRef idx="1">
+            <a:schemeClr val="accent1"/>
+          </a:lnRef>
+          <a:fillRef idx="0">
+            <a:schemeClr val="accent1"/>
+          </a:fillRef>
+          <a:effectRef idx="0">
+            <a:schemeClr val="accent1"/>
+          </a:effectRef>
+          <a:fontRef idx="minor">
+            <a:schemeClr val="tx1"/>
+          </a:fontRef>
+        </p:style>
+      </p:cxnSp>
+      <p:cxnSp>
+        <p:nvCxnSpPr>
+          <p:cNvPr id="372" name="直接连接符 371"/>
+          <p:cNvCxnSpPr/>
+          <p:nvPr userDrawn="1"/>
+        </p:nvCxnSpPr>
+        <p:spPr>
+          <a:xfrm flipH="1">
+            <a:off x="7524617" y="2458221"/>
+            <a:ext cx="378241" cy="64818"/>
+          </a:xfrm>
+          <a:prstGeom prst="line">
+            <a:avLst/>
+          </a:prstGeom>
+          <a:ln>
+            <a:gradFill>
+              <a:gsLst>
+                <a:gs pos="0">
+                  <a:schemeClr val="accent1">
+                    <a:lumMod val="5000"/>
+                    <a:lumOff val="95000"/>
+                  </a:schemeClr>
+                </a:gs>
+                <a:gs pos="100000">
+                  <a:schemeClr val="bg1">
+                    <a:alpha val="0"/>
+                  </a:schemeClr>
+                </a:gs>
+              </a:gsLst>
+              <a:lin ang="0" scaled="0"/>
+            </a:gradFill>
+          </a:ln>
+        </p:spPr>
+        <p:style>
+          <a:lnRef idx="1">
+            <a:schemeClr val="accent1"/>
+          </a:lnRef>
+          <a:fillRef idx="0">
+            <a:schemeClr val="accent1"/>
+          </a:fillRef>
+          <a:effectRef idx="0">
+            <a:schemeClr val="accent1"/>
+          </a:effectRef>
+          <a:fontRef idx="minor">
+            <a:schemeClr val="tx1"/>
+          </a:fontRef>
+        </p:style>
+      </p:cxnSp>
+      <p:cxnSp>
+        <p:nvCxnSpPr>
+          <p:cNvPr id="373" name="直接连接符 372"/>
+          <p:cNvCxnSpPr/>
+          <p:nvPr userDrawn="1"/>
+        </p:nvCxnSpPr>
+        <p:spPr>
+          <a:xfrm flipH="1">
+            <a:off x="7113890" y="2072059"/>
+            <a:ext cx="356435" cy="117131"/>
+          </a:xfrm>
+          <a:prstGeom prst="line">
+            <a:avLst/>
+          </a:prstGeom>
+          <a:ln>
+            <a:gradFill>
+              <a:gsLst>
+                <a:gs pos="0">
+                  <a:schemeClr val="accent1">
+                    <a:lumMod val="5000"/>
+                    <a:lumOff val="95000"/>
+                  </a:schemeClr>
+                </a:gs>
+                <a:gs pos="100000">
+                  <a:schemeClr val="bg1">
+                    <a:alpha val="0"/>
+                  </a:schemeClr>
+                </a:gs>
+              </a:gsLst>
+              <a:lin ang="0" scaled="0"/>
+            </a:gradFill>
+          </a:ln>
+        </p:spPr>
+        <p:style>
+          <a:lnRef idx="1">
+            <a:schemeClr val="accent1"/>
+          </a:lnRef>
+          <a:fillRef idx="0">
+            <a:schemeClr val="accent1"/>
+          </a:fillRef>
+          <a:effectRef idx="0">
+            <a:schemeClr val="accent1"/>
+          </a:effectRef>
+          <a:fontRef idx="minor">
+            <a:schemeClr val="tx1"/>
+          </a:fontRef>
+        </p:style>
+      </p:cxnSp>
+      <p:cxnSp>
+        <p:nvCxnSpPr>
+          <p:cNvPr id="374" name="直接连接符 373"/>
+          <p:cNvCxnSpPr/>
+          <p:nvPr userDrawn="1"/>
+        </p:nvCxnSpPr>
+        <p:spPr>
+          <a:xfrm flipH="1" flipV="1">
+            <a:off x="7335393" y="3124406"/>
+            <a:ext cx="221178" cy="86376"/>
+          </a:xfrm>
+          <a:prstGeom prst="line">
+            <a:avLst/>
+          </a:prstGeom>
+          <a:ln>
+            <a:gradFill>
+              <a:gsLst>
+                <a:gs pos="0">
+                  <a:schemeClr val="accent1">
+                    <a:lumMod val="5000"/>
+                    <a:lumOff val="95000"/>
+                  </a:schemeClr>
+                </a:gs>
+                <a:gs pos="100000">
+                  <a:schemeClr val="bg1">
+                    <a:alpha val="0"/>
+                  </a:schemeClr>
+                </a:gs>
+              </a:gsLst>
+              <a:lin ang="0" scaled="0"/>
+            </a:gradFill>
+          </a:ln>
+        </p:spPr>
+        <p:style>
+          <a:lnRef idx="1">
+            <a:schemeClr val="accent1"/>
+          </a:lnRef>
+          <a:fillRef idx="0">
+            <a:schemeClr val="accent1"/>
+          </a:fillRef>
+          <a:effectRef idx="0">
+            <a:schemeClr val="accent1"/>
+          </a:effectRef>
+          <a:fontRef idx="minor">
+            <a:schemeClr val="tx1"/>
+          </a:fontRef>
+        </p:style>
+      </p:cxnSp>
+      <p:cxnSp>
+        <p:nvCxnSpPr>
+          <p:cNvPr id="375" name="直接连接符 374"/>
+          <p:cNvCxnSpPr/>
+          <p:nvPr userDrawn="1"/>
+        </p:nvCxnSpPr>
+        <p:spPr>
+          <a:xfrm flipH="1">
+            <a:off x="7233213" y="1501652"/>
+            <a:ext cx="303860" cy="94787"/>
+          </a:xfrm>
+          <a:prstGeom prst="line">
+            <a:avLst/>
+          </a:prstGeom>
+          <a:ln>
+            <a:gradFill>
+              <a:gsLst>
+                <a:gs pos="0">
+                  <a:schemeClr val="accent1">
+                    <a:lumMod val="5000"/>
+                    <a:lumOff val="95000"/>
+                  </a:schemeClr>
+                </a:gs>
+                <a:gs pos="100000">
+                  <a:schemeClr val="bg1">
+                    <a:alpha val="0"/>
+                  </a:schemeClr>
+                </a:gs>
+              </a:gsLst>
+              <a:lin ang="0" scaled="0"/>
+            </a:gradFill>
+          </a:ln>
+        </p:spPr>
+        <p:style>
+          <a:lnRef idx="1">
+            <a:schemeClr val="accent1"/>
+          </a:lnRef>
+          <a:fillRef idx="0">
+            <a:schemeClr val="accent1"/>
+          </a:fillRef>
+          <a:effectRef idx="0">
+            <a:schemeClr val="accent1"/>
+          </a:effectRef>
+          <a:fontRef idx="minor">
+            <a:schemeClr val="tx1"/>
+          </a:fontRef>
+        </p:style>
+      </p:cxnSp>
     </p:spTree>
     <p:extLst>
       <p:ext uri="{BB962C8B-B14F-4D97-AF65-F5344CB8AC3E}">
@@ -55785,7 +58828,7 @@
     </p:spTree>
     <p:extLst>
       <p:ext uri="{BB962C8B-B14F-4D97-AF65-F5344CB8AC3E}">
-        <p14:creationId xmlns:p14="http://schemas.microsoft.com/office/powerpoint/2010/main" val="691214552"/>
+        <p14:creationId xmlns:p14="http://schemas.microsoft.com/office/powerpoint/2010/main" val="40283286"/>
       </p:ext>
     </p:extLst>
   </p:cSld>
